--- a/Uke 46/Uke 46 Hendelser.pptx
+++ b/Uke 46/Uke 46 Hendelser.pptx
@@ -8,11 +8,16 @@
     <p:sldId id="256" r:id="rId5"/>
     <p:sldId id="257" r:id="rId6"/>
     <p:sldId id="258" r:id="rId7"/>
-    <p:sldId id="260" r:id="rId8"/>
-    <p:sldId id="261" r:id="rId9"/>
-    <p:sldId id="262" r:id="rId10"/>
-    <p:sldId id="263" r:id="rId11"/>
-    <p:sldId id="264" r:id="rId12"/>
+    <p:sldId id="270" r:id="rId8"/>
+    <p:sldId id="267" r:id="rId9"/>
+    <p:sldId id="268" r:id="rId10"/>
+    <p:sldId id="269" r:id="rId11"/>
+    <p:sldId id="262" r:id="rId12"/>
+    <p:sldId id="264" r:id="rId13"/>
+    <p:sldId id="266" r:id="rId14"/>
+    <p:sldId id="271" r:id="rId15"/>
+    <p:sldId id="272" r:id="rId16"/>
+    <p:sldId id="265" r:id="rId17"/>
   </p:sldIdLst>
   <p:sldSz cx="12192000" cy="6858000"/>
   <p:notesSz cx="6858000" cy="9144000"/>
@@ -111,7 +116,564 @@
       </a:defRPr>
     </a:lvl9pPr>
   </p:defaultTextStyle>
+  <p:extLst>
+    <p:ext uri="{EFAFB233-063F-42B5-8137-9DF3F51BA10A}">
+      <p15:sldGuideLst xmlns:p15="http://schemas.microsoft.com/office/powerpoint/2012/main"/>
+    </p:ext>
+  </p:extLst>
 </p:presentation>
+</file>
+
+<file path=ppt/revisionInfo.xml><?xml version="1.0" encoding="utf-8"?>
+<p1510:revInfo xmlns:a="http://schemas.openxmlformats.org/drawingml/2006/main" xmlns:r="http://schemas.openxmlformats.org/officeDocument/2006/relationships" xmlns:p1510="http://schemas.microsoft.com/office/powerpoint/2015/10/main">
+  <p1510:revLst>
+    <p1510:client id="{AC7080AE-87A5-4AE0-85D3-D124FCA1ECB8}" v="83" dt="2019-11-12T22:16:26.956"/>
+  </p1510:revLst>
+</p1510:revInfo>
+</file>
+
+<file path=ppt/changesInfos/changesInfo1.xml><?xml version="1.0" encoding="utf-8"?>
+<pc:chgInfo xmlns:a="http://schemas.openxmlformats.org/drawingml/2006/main" xmlns:r="http://schemas.openxmlformats.org/officeDocument/2006/relationships" xmlns:ac="http://schemas.microsoft.com/office/drawing/2013/main/command" xmlns:pc="http://schemas.microsoft.com/office/powerpoint/2013/main/command">
+  <pc:docChgLst>
+    <pc:chgData name="Aizan Magomadova" userId="b3d38ecc-02a7-4810-ad44-0e9f513517c5" providerId="ADAL" clId="{AC7080AE-87A5-4AE0-85D3-D124FCA1ECB8}"/>
+    <pc:docChg chg="undo custSel addSld delSld modSld sldOrd">
+      <pc:chgData name="Aizan Magomadova" userId="b3d38ecc-02a7-4810-ad44-0e9f513517c5" providerId="ADAL" clId="{AC7080AE-87A5-4AE0-85D3-D124FCA1ECB8}" dt="2019-11-12T22:16:59.389" v="729" actId="14100"/>
+      <pc:docMkLst>
+        <pc:docMk/>
+      </pc:docMkLst>
+      <pc:sldChg chg="modSp">
+        <pc:chgData name="Aizan Magomadova" userId="b3d38ecc-02a7-4810-ad44-0e9f513517c5" providerId="ADAL" clId="{AC7080AE-87A5-4AE0-85D3-D124FCA1ECB8}" dt="2019-11-11T19:51:32.531" v="66" actId="20577"/>
+        <pc:sldMkLst>
+          <pc:docMk/>
+          <pc:sldMk cId="2849897838" sldId="257"/>
+        </pc:sldMkLst>
+        <pc:graphicFrameChg chg="mod">
+          <ac:chgData name="Aizan Magomadova" userId="b3d38ecc-02a7-4810-ad44-0e9f513517c5" providerId="ADAL" clId="{AC7080AE-87A5-4AE0-85D3-D124FCA1ECB8}" dt="2019-11-11T19:51:32.531" v="66" actId="20577"/>
+          <ac:graphicFrameMkLst>
+            <pc:docMk/>
+            <pc:sldMk cId="2849897838" sldId="257"/>
+            <ac:graphicFrameMk id="5" creationId="{40508388-B2C1-4343-B60C-F13CAB527430}"/>
+          </ac:graphicFrameMkLst>
+        </pc:graphicFrameChg>
+      </pc:sldChg>
+      <pc:sldChg chg="modSp">
+        <pc:chgData name="Aizan Magomadova" userId="b3d38ecc-02a7-4810-ad44-0e9f513517c5" providerId="ADAL" clId="{AC7080AE-87A5-4AE0-85D3-D124FCA1ECB8}" dt="2019-11-11T20:42:39.422" v="204" actId="5793"/>
+        <pc:sldMkLst>
+          <pc:docMk/>
+          <pc:sldMk cId="3763408081" sldId="258"/>
+        </pc:sldMkLst>
+        <pc:spChg chg="mod">
+          <ac:chgData name="Aizan Magomadova" userId="b3d38ecc-02a7-4810-ad44-0e9f513517c5" providerId="ADAL" clId="{AC7080AE-87A5-4AE0-85D3-D124FCA1ECB8}" dt="2019-11-11T20:42:39.422" v="204" actId="5793"/>
+          <ac:spMkLst>
+            <pc:docMk/>
+            <pc:sldMk cId="3763408081" sldId="258"/>
+            <ac:spMk id="3" creationId="{DC325F3D-CA29-47EB-B819-8B9A568B4BA6}"/>
+          </ac:spMkLst>
+        </pc:spChg>
+      </pc:sldChg>
+      <pc:sldChg chg="modSp del">
+        <pc:chgData name="Aizan Magomadova" userId="b3d38ecc-02a7-4810-ad44-0e9f513517c5" providerId="ADAL" clId="{AC7080AE-87A5-4AE0-85D3-D124FCA1ECB8}" dt="2019-11-11T21:14:41.660" v="652" actId="2696"/>
+        <pc:sldMkLst>
+          <pc:docMk/>
+          <pc:sldMk cId="1508430605" sldId="260"/>
+        </pc:sldMkLst>
+        <pc:spChg chg="mod">
+          <ac:chgData name="Aizan Magomadova" userId="b3d38ecc-02a7-4810-ad44-0e9f513517c5" providerId="ADAL" clId="{AC7080AE-87A5-4AE0-85D3-D124FCA1ECB8}" dt="2019-11-11T20:42:51.894" v="206" actId="5793"/>
+          <ac:spMkLst>
+            <pc:docMk/>
+            <pc:sldMk cId="1508430605" sldId="260"/>
+            <ac:spMk id="3" creationId="{C58661C4-9234-498A-A4FC-45E419323B85}"/>
+          </ac:spMkLst>
+        </pc:spChg>
+      </pc:sldChg>
+      <pc:sldChg chg="modSp del">
+        <pc:chgData name="Aizan Magomadova" userId="b3d38ecc-02a7-4810-ad44-0e9f513517c5" providerId="ADAL" clId="{AC7080AE-87A5-4AE0-85D3-D124FCA1ECB8}" dt="2019-11-11T21:14:44.423" v="653" actId="2696"/>
+        <pc:sldMkLst>
+          <pc:docMk/>
+          <pc:sldMk cId="1286105232" sldId="261"/>
+        </pc:sldMkLst>
+        <pc:spChg chg="mod">
+          <ac:chgData name="Aizan Magomadova" userId="b3d38ecc-02a7-4810-ad44-0e9f513517c5" providerId="ADAL" clId="{AC7080AE-87A5-4AE0-85D3-D124FCA1ECB8}" dt="2019-11-11T20:47:00.705" v="254"/>
+          <ac:spMkLst>
+            <pc:docMk/>
+            <pc:sldMk cId="1286105232" sldId="261"/>
+            <ac:spMk id="3" creationId="{516287D3-A726-417B-A310-EDFA9FFB2B9A}"/>
+          </ac:spMkLst>
+        </pc:spChg>
+      </pc:sldChg>
+      <pc:sldChg chg="del">
+        <pc:chgData name="Aizan Magomadova" userId="b3d38ecc-02a7-4810-ad44-0e9f513517c5" providerId="ADAL" clId="{AC7080AE-87A5-4AE0-85D3-D124FCA1ECB8}" dt="2019-11-11T21:23:01.805" v="654" actId="2696"/>
+        <pc:sldMkLst>
+          <pc:docMk/>
+          <pc:sldMk cId="3440852332" sldId="263"/>
+        </pc:sldMkLst>
+      </pc:sldChg>
+      <pc:sldChg chg="addSp delSp modSp">
+        <pc:chgData name="Aizan Magomadova" userId="b3d38ecc-02a7-4810-ad44-0e9f513517c5" providerId="ADAL" clId="{AC7080AE-87A5-4AE0-85D3-D124FCA1ECB8}" dt="2019-11-11T21:36:15.655" v="662" actId="20577"/>
+        <pc:sldMkLst>
+          <pc:docMk/>
+          <pc:sldMk cId="1683511672" sldId="264"/>
+        </pc:sldMkLst>
+        <pc:spChg chg="mod">
+          <ac:chgData name="Aizan Magomadova" userId="b3d38ecc-02a7-4810-ad44-0e9f513517c5" providerId="ADAL" clId="{AC7080AE-87A5-4AE0-85D3-D124FCA1ECB8}" dt="2019-11-11T21:36:15.655" v="662" actId="20577"/>
+          <ac:spMkLst>
+            <pc:docMk/>
+            <pc:sldMk cId="1683511672" sldId="264"/>
+            <ac:spMk id="2" creationId="{968C2130-C377-459A-B7C1-0BAD18FA40C0}"/>
+          </ac:spMkLst>
+        </pc:spChg>
+        <pc:spChg chg="del mod">
+          <ac:chgData name="Aizan Magomadova" userId="b3d38ecc-02a7-4810-ad44-0e9f513517c5" providerId="ADAL" clId="{AC7080AE-87A5-4AE0-85D3-D124FCA1ECB8}" dt="2019-11-11T20:39:08.539" v="158"/>
+          <ac:spMkLst>
+            <pc:docMk/>
+            <pc:sldMk cId="1683511672" sldId="264"/>
+            <ac:spMk id="3" creationId="{6A20AEA2-EB19-4B75-AD67-29F38AB19842}"/>
+          </ac:spMkLst>
+        </pc:spChg>
+        <pc:picChg chg="add mod">
+          <ac:chgData name="Aizan Magomadova" userId="b3d38ecc-02a7-4810-ad44-0e9f513517c5" providerId="ADAL" clId="{AC7080AE-87A5-4AE0-85D3-D124FCA1ECB8}" dt="2019-11-11T20:52:34.099" v="293" actId="1076"/>
+          <ac:picMkLst>
+            <pc:docMk/>
+            <pc:sldMk cId="1683511672" sldId="264"/>
+            <ac:picMk id="4" creationId="{991E6910-4559-40FA-9014-3F4B8E0E148E}"/>
+          </ac:picMkLst>
+        </pc:picChg>
+      </pc:sldChg>
+      <pc:sldChg chg="addSp delSp modSp add">
+        <pc:chgData name="Aizan Magomadova" userId="b3d38ecc-02a7-4810-ad44-0e9f513517c5" providerId="ADAL" clId="{AC7080AE-87A5-4AE0-85D3-D124FCA1ECB8}" dt="2019-11-12T12:52:25.367" v="719" actId="20577"/>
+        <pc:sldMkLst>
+          <pc:docMk/>
+          <pc:sldMk cId="3936405689" sldId="265"/>
+        </pc:sldMkLst>
+        <pc:spChg chg="mod">
+          <ac:chgData name="Aizan Magomadova" userId="b3d38ecc-02a7-4810-ad44-0e9f513517c5" providerId="ADAL" clId="{AC7080AE-87A5-4AE0-85D3-D124FCA1ECB8}" dt="2019-11-12T12:52:25.367" v="719" actId="20577"/>
+          <ac:spMkLst>
+            <pc:docMk/>
+            <pc:sldMk cId="3936405689" sldId="265"/>
+            <ac:spMk id="2" creationId="{EC3EBB20-9CFC-49A9-AF6D-700803743C09}"/>
+          </ac:spMkLst>
+        </pc:spChg>
+        <pc:spChg chg="del">
+          <ac:chgData name="Aizan Magomadova" userId="b3d38ecc-02a7-4810-ad44-0e9f513517c5" providerId="ADAL" clId="{AC7080AE-87A5-4AE0-85D3-D124FCA1ECB8}" dt="2019-11-11T20:35:00.633" v="85"/>
+          <ac:spMkLst>
+            <pc:docMk/>
+            <pc:sldMk cId="3936405689" sldId="265"/>
+            <ac:spMk id="3" creationId="{1FDD3047-8977-44D5-8C19-E6C0222308E9}"/>
+          </ac:spMkLst>
+        </pc:spChg>
+        <pc:picChg chg="add mod">
+          <ac:chgData name="Aizan Magomadova" userId="b3d38ecc-02a7-4810-ad44-0e9f513517c5" providerId="ADAL" clId="{AC7080AE-87A5-4AE0-85D3-D124FCA1ECB8}" dt="2019-11-11T20:40:43.067" v="178" actId="14100"/>
+          <ac:picMkLst>
+            <pc:docMk/>
+            <pc:sldMk cId="3936405689" sldId="265"/>
+            <ac:picMk id="4" creationId="{02A207AE-687E-4CE2-B37E-B68EEA865040}"/>
+          </ac:picMkLst>
+        </pc:picChg>
+      </pc:sldChg>
+      <pc:sldChg chg="addSp delSp modSp add">
+        <pc:chgData name="Aizan Magomadova" userId="b3d38ecc-02a7-4810-ad44-0e9f513517c5" providerId="ADAL" clId="{AC7080AE-87A5-4AE0-85D3-D124FCA1ECB8}" dt="2019-11-11T21:36:20.278" v="664" actId="20577"/>
+        <pc:sldMkLst>
+          <pc:docMk/>
+          <pc:sldMk cId="3329264954" sldId="266"/>
+        </pc:sldMkLst>
+        <pc:spChg chg="mod">
+          <ac:chgData name="Aizan Magomadova" userId="b3d38ecc-02a7-4810-ad44-0e9f513517c5" providerId="ADAL" clId="{AC7080AE-87A5-4AE0-85D3-D124FCA1ECB8}" dt="2019-11-11T21:36:20.278" v="664" actId="20577"/>
+          <ac:spMkLst>
+            <pc:docMk/>
+            <pc:sldMk cId="3329264954" sldId="266"/>
+            <ac:spMk id="2" creationId="{68A8451D-43FF-4F47-8E4B-8D10046B8F0B}"/>
+          </ac:spMkLst>
+        </pc:spChg>
+        <pc:spChg chg="del">
+          <ac:chgData name="Aizan Magomadova" userId="b3d38ecc-02a7-4810-ad44-0e9f513517c5" providerId="ADAL" clId="{AC7080AE-87A5-4AE0-85D3-D124FCA1ECB8}" dt="2019-11-11T20:36:52.959" v="123"/>
+          <ac:spMkLst>
+            <pc:docMk/>
+            <pc:sldMk cId="3329264954" sldId="266"/>
+            <ac:spMk id="3" creationId="{343C72D2-C53E-4F18-ADF5-C9B81C400E94}"/>
+          </ac:spMkLst>
+        </pc:spChg>
+        <pc:spChg chg="add del mod">
+          <ac:chgData name="Aizan Magomadova" userId="b3d38ecc-02a7-4810-ad44-0e9f513517c5" providerId="ADAL" clId="{AC7080AE-87A5-4AE0-85D3-D124FCA1ECB8}" dt="2019-11-11T20:40:16.968" v="173"/>
+          <ac:spMkLst>
+            <pc:docMk/>
+            <pc:sldMk cId="3329264954" sldId="266"/>
+            <ac:spMk id="6" creationId="{C2281B37-31B0-454A-814C-7F403B9D2E4F}"/>
+          </ac:spMkLst>
+        </pc:spChg>
+        <pc:picChg chg="add del mod">
+          <ac:chgData name="Aizan Magomadova" userId="b3d38ecc-02a7-4810-ad44-0e9f513517c5" providerId="ADAL" clId="{AC7080AE-87A5-4AE0-85D3-D124FCA1ECB8}" dt="2019-11-11T20:40:13.844" v="172" actId="478"/>
+          <ac:picMkLst>
+            <pc:docMk/>
+            <pc:sldMk cId="3329264954" sldId="266"/>
+            <ac:picMk id="4" creationId="{5FF1ECFA-5269-470D-88D2-2C59E58937ED}"/>
+          </ac:picMkLst>
+        </pc:picChg>
+        <pc:picChg chg="add mod">
+          <ac:chgData name="Aizan Magomadova" userId="b3d38ecc-02a7-4810-ad44-0e9f513517c5" providerId="ADAL" clId="{AC7080AE-87A5-4AE0-85D3-D124FCA1ECB8}" dt="2019-11-11T20:40:21.486" v="174" actId="14100"/>
+          <ac:picMkLst>
+            <pc:docMk/>
+            <pc:sldMk cId="3329264954" sldId="266"/>
+            <ac:picMk id="7" creationId="{3072B63D-F5EC-4030-8144-15A674104CD8}"/>
+          </ac:picMkLst>
+        </pc:picChg>
+      </pc:sldChg>
+      <pc:sldChg chg="addSp delSp modSp add">
+        <pc:chgData name="Aizan Magomadova" userId="b3d38ecc-02a7-4810-ad44-0e9f513517c5" providerId="ADAL" clId="{AC7080AE-87A5-4AE0-85D3-D124FCA1ECB8}" dt="2019-11-11T21:35:57.092" v="656" actId="20577"/>
+        <pc:sldMkLst>
+          <pc:docMk/>
+          <pc:sldMk cId="2271016223" sldId="267"/>
+        </pc:sldMkLst>
+        <pc:spChg chg="mod">
+          <ac:chgData name="Aizan Magomadova" userId="b3d38ecc-02a7-4810-ad44-0e9f513517c5" providerId="ADAL" clId="{AC7080AE-87A5-4AE0-85D3-D124FCA1ECB8}" dt="2019-11-11T21:35:57.092" v="656" actId="20577"/>
+          <ac:spMkLst>
+            <pc:docMk/>
+            <pc:sldMk cId="2271016223" sldId="267"/>
+            <ac:spMk id="2" creationId="{E60B3DA2-C90B-4737-9EC4-A29586BFD86F}"/>
+          </ac:spMkLst>
+        </pc:spChg>
+        <pc:spChg chg="del">
+          <ac:chgData name="Aizan Magomadova" userId="b3d38ecc-02a7-4810-ad44-0e9f513517c5" providerId="ADAL" clId="{AC7080AE-87A5-4AE0-85D3-D124FCA1ECB8}" dt="2019-11-11T20:42:26.329" v="200"/>
+          <ac:spMkLst>
+            <pc:docMk/>
+            <pc:sldMk cId="2271016223" sldId="267"/>
+            <ac:spMk id="3" creationId="{A7859044-7404-4D97-BEFB-514B0794A038}"/>
+          </ac:spMkLst>
+        </pc:spChg>
+        <pc:picChg chg="add mod">
+          <ac:chgData name="Aizan Magomadova" userId="b3d38ecc-02a7-4810-ad44-0e9f513517c5" providerId="ADAL" clId="{AC7080AE-87A5-4AE0-85D3-D124FCA1ECB8}" dt="2019-11-11T20:42:33.221" v="202" actId="1076"/>
+          <ac:picMkLst>
+            <pc:docMk/>
+            <pc:sldMk cId="2271016223" sldId="267"/>
+            <ac:picMk id="4" creationId="{C72A11BB-D81A-476B-8F47-8BF153802D67}"/>
+          </ac:picMkLst>
+        </pc:picChg>
+      </pc:sldChg>
+      <pc:sldChg chg="addSp delSp modSp add">
+        <pc:chgData name="Aizan Magomadova" userId="b3d38ecc-02a7-4810-ad44-0e9f513517c5" providerId="ADAL" clId="{AC7080AE-87A5-4AE0-85D3-D124FCA1ECB8}" dt="2019-11-11T21:36:02.820" v="658" actId="20577"/>
+        <pc:sldMkLst>
+          <pc:docMk/>
+          <pc:sldMk cId="2124460940" sldId="268"/>
+        </pc:sldMkLst>
+        <pc:spChg chg="del">
+          <ac:chgData name="Aizan Magomadova" userId="b3d38ecc-02a7-4810-ad44-0e9f513517c5" providerId="ADAL" clId="{AC7080AE-87A5-4AE0-85D3-D124FCA1ECB8}" dt="2019-11-11T20:43:04.933" v="208"/>
+          <ac:spMkLst>
+            <pc:docMk/>
+            <pc:sldMk cId="2124460940" sldId="268"/>
+            <ac:spMk id="2" creationId="{3D995FCC-F0A4-40DC-AC29-1BB8C1FE3C61}"/>
+          </ac:spMkLst>
+        </pc:spChg>
+        <pc:spChg chg="del">
+          <ac:chgData name="Aizan Magomadova" userId="b3d38ecc-02a7-4810-ad44-0e9f513517c5" providerId="ADAL" clId="{AC7080AE-87A5-4AE0-85D3-D124FCA1ECB8}" dt="2019-11-11T20:43:04.933" v="208"/>
+          <ac:spMkLst>
+            <pc:docMk/>
+            <pc:sldMk cId="2124460940" sldId="268"/>
+            <ac:spMk id="3" creationId="{587006D7-598A-488A-A033-2720A6FDB082}"/>
+          </ac:spMkLst>
+        </pc:spChg>
+        <pc:spChg chg="del">
+          <ac:chgData name="Aizan Magomadova" userId="b3d38ecc-02a7-4810-ad44-0e9f513517c5" providerId="ADAL" clId="{AC7080AE-87A5-4AE0-85D3-D124FCA1ECB8}" dt="2019-11-11T20:43:04.933" v="208"/>
+          <ac:spMkLst>
+            <pc:docMk/>
+            <pc:sldMk cId="2124460940" sldId="268"/>
+            <ac:spMk id="4" creationId="{B2C31DB2-67C3-4985-A3B2-AE30576ED22C}"/>
+          </ac:spMkLst>
+        </pc:spChg>
+        <pc:spChg chg="add mod">
+          <ac:chgData name="Aizan Magomadova" userId="b3d38ecc-02a7-4810-ad44-0e9f513517c5" providerId="ADAL" clId="{AC7080AE-87A5-4AE0-85D3-D124FCA1ECB8}" dt="2019-11-11T21:36:02.820" v="658" actId="20577"/>
+          <ac:spMkLst>
+            <pc:docMk/>
+            <pc:sldMk cId="2124460940" sldId="268"/>
+            <ac:spMk id="5" creationId="{44F4A83E-7CE9-44DF-A111-EF44544A9A2C}"/>
+          </ac:spMkLst>
+        </pc:spChg>
+        <pc:spChg chg="add del mod">
+          <ac:chgData name="Aizan Magomadova" userId="b3d38ecc-02a7-4810-ad44-0e9f513517c5" providerId="ADAL" clId="{AC7080AE-87A5-4AE0-85D3-D124FCA1ECB8}" dt="2019-11-11T20:43:21.742" v="211"/>
+          <ac:spMkLst>
+            <pc:docMk/>
+            <pc:sldMk cId="2124460940" sldId="268"/>
+            <ac:spMk id="6" creationId="{5ADA323C-CECC-4B0B-8523-3D63117B43B3}"/>
+          </ac:spMkLst>
+        </pc:spChg>
+        <pc:spChg chg="add del mod">
+          <ac:chgData name="Aizan Magomadova" userId="b3d38ecc-02a7-4810-ad44-0e9f513517c5" providerId="ADAL" clId="{AC7080AE-87A5-4AE0-85D3-D124FCA1ECB8}" dt="2019-11-11T20:52:12.696" v="289"/>
+          <ac:spMkLst>
+            <pc:docMk/>
+            <pc:sldMk cId="2124460940" sldId="268"/>
+            <ac:spMk id="7" creationId="{13A09F71-4D53-4454-9998-55CFE18BF244}"/>
+          </ac:spMkLst>
+        </pc:spChg>
+        <pc:spChg chg="add del mod">
+          <ac:chgData name="Aizan Magomadova" userId="b3d38ecc-02a7-4810-ad44-0e9f513517c5" providerId="ADAL" clId="{AC7080AE-87A5-4AE0-85D3-D124FCA1ECB8}" dt="2019-11-11T20:45:05.744" v="212"/>
+          <ac:spMkLst>
+            <pc:docMk/>
+            <pc:sldMk cId="2124460940" sldId="268"/>
+            <ac:spMk id="8" creationId="{6611DED2-27E4-4B57-8595-754FC881F349}"/>
+          </ac:spMkLst>
+        </pc:spChg>
+        <pc:spChg chg="add del mod">
+          <ac:chgData name="Aizan Magomadova" userId="b3d38ecc-02a7-4810-ad44-0e9f513517c5" providerId="ADAL" clId="{AC7080AE-87A5-4AE0-85D3-D124FCA1ECB8}" dt="2019-11-11T20:52:12.696" v="289"/>
+          <ac:spMkLst>
+            <pc:docMk/>
+            <pc:sldMk cId="2124460940" sldId="268"/>
+            <ac:spMk id="9" creationId="{1FC1018D-AC20-4E5F-BC41-F403492D0E76}"/>
+          </ac:spMkLst>
+        </pc:spChg>
+        <pc:spChg chg="add del mod">
+          <ac:chgData name="Aizan Magomadova" userId="b3d38ecc-02a7-4810-ad44-0e9f513517c5" providerId="ADAL" clId="{AC7080AE-87A5-4AE0-85D3-D124FCA1ECB8}" dt="2019-11-11T20:45:48.305" v="215"/>
+          <ac:spMkLst>
+            <pc:docMk/>
+            <pc:sldMk cId="2124460940" sldId="268"/>
+            <ac:spMk id="10" creationId="{72E53524-2C98-4190-BFB0-862173D7A57C}"/>
+          </ac:spMkLst>
+        </pc:spChg>
+        <pc:spChg chg="add del mod">
+          <ac:chgData name="Aizan Magomadova" userId="b3d38ecc-02a7-4810-ad44-0e9f513517c5" providerId="ADAL" clId="{AC7080AE-87A5-4AE0-85D3-D124FCA1ECB8}" dt="2019-11-11T20:52:07.958" v="288"/>
+          <ac:spMkLst>
+            <pc:docMk/>
+            <pc:sldMk cId="2124460940" sldId="268"/>
+            <ac:spMk id="13" creationId="{AE2597B8-C820-49C5-BD0F-407886DDE351}"/>
+          </ac:spMkLst>
+        </pc:spChg>
+        <pc:spChg chg="add mod">
+          <ac:chgData name="Aizan Magomadova" userId="b3d38ecc-02a7-4810-ad44-0e9f513517c5" providerId="ADAL" clId="{AC7080AE-87A5-4AE0-85D3-D124FCA1ECB8}" dt="2019-11-11T20:52:12.696" v="289"/>
+          <ac:spMkLst>
+            <pc:docMk/>
+            <pc:sldMk cId="2124460940" sldId="268"/>
+            <ac:spMk id="14" creationId="{F3A45DF3-A522-4823-9F87-397E3E597CAB}"/>
+          </ac:spMkLst>
+        </pc:spChg>
+        <pc:picChg chg="add mod">
+          <ac:chgData name="Aizan Magomadova" userId="b3d38ecc-02a7-4810-ad44-0e9f513517c5" providerId="ADAL" clId="{AC7080AE-87A5-4AE0-85D3-D124FCA1ECB8}" dt="2019-11-11T20:52:23.111" v="292" actId="14100"/>
+          <ac:picMkLst>
+            <pc:docMk/>
+            <pc:sldMk cId="2124460940" sldId="268"/>
+            <ac:picMk id="11" creationId="{522CB3FB-FEE7-4BDA-B49C-272B53285354}"/>
+          </ac:picMkLst>
+        </pc:picChg>
+        <pc:picChg chg="add mod">
+          <ac:chgData name="Aizan Magomadova" userId="b3d38ecc-02a7-4810-ad44-0e9f513517c5" providerId="ADAL" clId="{AC7080AE-87A5-4AE0-85D3-D124FCA1ECB8}" dt="2019-11-11T20:52:15.219" v="290" actId="1076"/>
+          <ac:picMkLst>
+            <pc:docMk/>
+            <pc:sldMk cId="2124460940" sldId="268"/>
+            <ac:picMk id="12" creationId="{273098C5-617F-42B5-952B-0069AF8FB66F}"/>
+          </ac:picMkLst>
+        </pc:picChg>
+      </pc:sldChg>
+      <pc:sldChg chg="addSp delSp modSp add">
+        <pc:chgData name="Aizan Magomadova" userId="b3d38ecc-02a7-4810-ad44-0e9f513517c5" providerId="ADAL" clId="{AC7080AE-87A5-4AE0-85D3-D124FCA1ECB8}" dt="2019-11-12T22:16:59.389" v="729" actId="14100"/>
+        <pc:sldMkLst>
+          <pc:docMk/>
+          <pc:sldMk cId="3048713044" sldId="269"/>
+        </pc:sldMkLst>
+        <pc:spChg chg="mod">
+          <ac:chgData name="Aizan Magomadova" userId="b3d38ecc-02a7-4810-ad44-0e9f513517c5" providerId="ADAL" clId="{AC7080AE-87A5-4AE0-85D3-D124FCA1ECB8}" dt="2019-11-11T21:36:09.641" v="660" actId="20577"/>
+          <ac:spMkLst>
+            <pc:docMk/>
+            <pc:sldMk cId="3048713044" sldId="269"/>
+            <ac:spMk id="2" creationId="{14EB48B4-A7C1-4162-8746-8DB90FEB459E}"/>
+          </ac:spMkLst>
+        </pc:spChg>
+        <pc:spChg chg="del">
+          <ac:chgData name="Aizan Magomadova" userId="b3d38ecc-02a7-4810-ad44-0e9f513517c5" providerId="ADAL" clId="{AC7080AE-87A5-4AE0-85D3-D124FCA1ECB8}" dt="2019-11-11T20:48:35.762" v="257"/>
+          <ac:spMkLst>
+            <pc:docMk/>
+            <pc:sldMk cId="3048713044" sldId="269"/>
+            <ac:spMk id="3" creationId="{6DADE946-FCEC-4B01-B655-BBFCE9A5B655}"/>
+          </ac:spMkLst>
+        </pc:spChg>
+        <pc:spChg chg="add del mod">
+          <ac:chgData name="Aizan Magomadova" userId="b3d38ecc-02a7-4810-ad44-0e9f513517c5" providerId="ADAL" clId="{AC7080AE-87A5-4AE0-85D3-D124FCA1ECB8}" dt="2019-11-11T20:49:39.145" v="272"/>
+          <ac:spMkLst>
+            <pc:docMk/>
+            <pc:sldMk cId="3048713044" sldId="269"/>
+            <ac:spMk id="4" creationId="{5EFC83A9-D53D-43AD-9817-64CDD7652452}"/>
+          </ac:spMkLst>
+        </pc:spChg>
+        <pc:spChg chg="add mod">
+          <ac:chgData name="Aizan Magomadova" userId="b3d38ecc-02a7-4810-ad44-0e9f513517c5" providerId="ADAL" clId="{AC7080AE-87A5-4AE0-85D3-D124FCA1ECB8}" dt="2019-11-12T22:16:25.345" v="720" actId="478"/>
+          <ac:spMkLst>
+            <pc:docMk/>
+            <pc:sldMk cId="3048713044" sldId="269"/>
+            <ac:spMk id="4" creationId="{6B2F38DE-0DFD-4424-88DE-FB5324908379}"/>
+          </ac:spMkLst>
+        </pc:spChg>
+        <pc:spChg chg="add del mod">
+          <ac:chgData name="Aizan Magomadova" userId="b3d38ecc-02a7-4810-ad44-0e9f513517c5" providerId="ADAL" clId="{AC7080AE-87A5-4AE0-85D3-D124FCA1ECB8}" dt="2019-11-11T20:49:43.811" v="273"/>
+          <ac:spMkLst>
+            <pc:docMk/>
+            <pc:sldMk cId="3048713044" sldId="269"/>
+            <ac:spMk id="5" creationId="{C6336509-8571-4946-B47B-BF3E3076A9D3}"/>
+          </ac:spMkLst>
+        </pc:spChg>
+        <pc:spChg chg="add del mod">
+          <ac:chgData name="Aizan Magomadova" userId="b3d38ecc-02a7-4810-ad44-0e9f513517c5" providerId="ADAL" clId="{AC7080AE-87A5-4AE0-85D3-D124FCA1ECB8}" dt="2019-11-11T20:49:57.493" v="275"/>
+          <ac:spMkLst>
+            <pc:docMk/>
+            <pc:sldMk cId="3048713044" sldId="269"/>
+            <ac:spMk id="8" creationId="{9F0C13FB-C5C6-4492-8D9A-FF3A0C61C768}"/>
+          </ac:spMkLst>
+        </pc:spChg>
+        <pc:spChg chg="add mod">
+          <ac:chgData name="Aizan Magomadova" userId="b3d38ecc-02a7-4810-ad44-0e9f513517c5" providerId="ADAL" clId="{AC7080AE-87A5-4AE0-85D3-D124FCA1ECB8}" dt="2019-11-11T20:49:57.493" v="275"/>
+          <ac:spMkLst>
+            <pc:docMk/>
+            <pc:sldMk cId="3048713044" sldId="269"/>
+            <ac:spMk id="9" creationId="{D73EB449-0072-4845-B393-ACCDAFB4ADC2}"/>
+          </ac:spMkLst>
+        </pc:spChg>
+        <pc:picChg chg="add mod">
+          <ac:chgData name="Aizan Magomadova" userId="b3d38ecc-02a7-4810-ad44-0e9f513517c5" providerId="ADAL" clId="{AC7080AE-87A5-4AE0-85D3-D124FCA1ECB8}" dt="2019-11-12T22:16:59.389" v="729" actId="14100"/>
+          <ac:picMkLst>
+            <pc:docMk/>
+            <pc:sldMk cId="3048713044" sldId="269"/>
+            <ac:picMk id="5" creationId="{40BCDC06-A964-49A8-B9D7-1007F20A5D41}"/>
+          </ac:picMkLst>
+        </pc:picChg>
+        <pc:picChg chg="add del mod">
+          <ac:chgData name="Aizan Magomadova" userId="b3d38ecc-02a7-4810-ad44-0e9f513517c5" providerId="ADAL" clId="{AC7080AE-87A5-4AE0-85D3-D124FCA1ECB8}" dt="2019-11-11T20:49:35.369" v="271"/>
+          <ac:picMkLst>
+            <pc:docMk/>
+            <pc:sldMk cId="3048713044" sldId="269"/>
+            <ac:picMk id="6" creationId="{7DB003A1-7C53-4D16-9FC1-6FE1157495BF}"/>
+          </ac:picMkLst>
+        </pc:picChg>
+        <pc:picChg chg="add del mod">
+          <ac:chgData name="Aizan Magomadova" userId="b3d38ecc-02a7-4810-ad44-0e9f513517c5" providerId="ADAL" clId="{AC7080AE-87A5-4AE0-85D3-D124FCA1ECB8}" dt="2019-11-12T22:16:25.345" v="720" actId="478"/>
+          <ac:picMkLst>
+            <pc:docMk/>
+            <pc:sldMk cId="3048713044" sldId="269"/>
+            <ac:picMk id="7" creationId="{4AD075C4-FEB3-42FA-BF2E-57EA81CDE079}"/>
+          </ac:picMkLst>
+        </pc:picChg>
+        <pc:picChg chg="add mod">
+          <ac:chgData name="Aizan Magomadova" userId="b3d38ecc-02a7-4810-ad44-0e9f513517c5" providerId="ADAL" clId="{AC7080AE-87A5-4AE0-85D3-D124FCA1ECB8}" dt="2019-11-11T20:51:14.730" v="277" actId="1076"/>
+          <ac:picMkLst>
+            <pc:docMk/>
+            <pc:sldMk cId="3048713044" sldId="269"/>
+            <ac:picMk id="10" creationId="{01E20653-20DA-46D2-B5A0-2D1C6BF54F51}"/>
+          </ac:picMkLst>
+        </pc:picChg>
+      </pc:sldChg>
+      <pc:sldChg chg="addSp delSp modSp add ord">
+        <pc:chgData name="Aizan Magomadova" userId="b3d38ecc-02a7-4810-ad44-0e9f513517c5" providerId="ADAL" clId="{AC7080AE-87A5-4AE0-85D3-D124FCA1ECB8}" dt="2019-11-11T21:13:22.284" v="651" actId="207"/>
+        <pc:sldMkLst>
+          <pc:docMk/>
+          <pc:sldMk cId="3556574991" sldId="270"/>
+        </pc:sldMkLst>
+        <pc:spChg chg="del">
+          <ac:chgData name="Aizan Magomadova" userId="b3d38ecc-02a7-4810-ad44-0e9f513517c5" providerId="ADAL" clId="{AC7080AE-87A5-4AE0-85D3-D124FCA1ECB8}" dt="2019-11-11T21:04:02.952" v="296"/>
+          <ac:spMkLst>
+            <pc:docMk/>
+            <pc:sldMk cId="3556574991" sldId="270"/>
+            <ac:spMk id="2" creationId="{B89E26E8-C322-444C-BA1C-CB0413225CAA}"/>
+          </ac:spMkLst>
+        </pc:spChg>
+        <pc:spChg chg="del">
+          <ac:chgData name="Aizan Magomadova" userId="b3d38ecc-02a7-4810-ad44-0e9f513517c5" providerId="ADAL" clId="{AC7080AE-87A5-4AE0-85D3-D124FCA1ECB8}" dt="2019-11-11T21:04:02.952" v="296"/>
+          <ac:spMkLst>
+            <pc:docMk/>
+            <pc:sldMk cId="3556574991" sldId="270"/>
+            <ac:spMk id="3" creationId="{3B370CF2-E36D-44FD-90DE-70987E61403A}"/>
+          </ac:spMkLst>
+        </pc:spChg>
+        <pc:spChg chg="del">
+          <ac:chgData name="Aizan Magomadova" userId="b3d38ecc-02a7-4810-ad44-0e9f513517c5" providerId="ADAL" clId="{AC7080AE-87A5-4AE0-85D3-D124FCA1ECB8}" dt="2019-11-11T21:04:02.952" v="296"/>
+          <ac:spMkLst>
+            <pc:docMk/>
+            <pc:sldMk cId="3556574991" sldId="270"/>
+            <ac:spMk id="4" creationId="{91AE9C23-4FD3-443B-B44C-1F2AD1560006}"/>
+          </ac:spMkLst>
+        </pc:spChg>
+        <pc:spChg chg="add mod">
+          <ac:chgData name="Aizan Magomadova" userId="b3d38ecc-02a7-4810-ad44-0e9f513517c5" providerId="ADAL" clId="{AC7080AE-87A5-4AE0-85D3-D124FCA1ECB8}" dt="2019-11-11T21:04:08.486" v="305" actId="20577"/>
+          <ac:spMkLst>
+            <pc:docMk/>
+            <pc:sldMk cId="3556574991" sldId="270"/>
+            <ac:spMk id="5" creationId="{E576D170-2C74-43CA-90CD-51632E3D69EA}"/>
+          </ac:spMkLst>
+        </pc:spChg>
+        <pc:spChg chg="add mod">
+          <ac:chgData name="Aizan Magomadova" userId="b3d38ecc-02a7-4810-ad44-0e9f513517c5" providerId="ADAL" clId="{AC7080AE-87A5-4AE0-85D3-D124FCA1ECB8}" dt="2019-11-11T21:04:02.952" v="296"/>
+          <ac:spMkLst>
+            <pc:docMk/>
+            <pc:sldMk cId="3556574991" sldId="270"/>
+            <ac:spMk id="6" creationId="{C423843E-FC44-4E7B-9425-146E2A429D41}"/>
+          </ac:spMkLst>
+        </pc:spChg>
+        <pc:graphicFrameChg chg="mod modGraphic">
+          <ac:chgData name="Aizan Magomadova" userId="b3d38ecc-02a7-4810-ad44-0e9f513517c5" providerId="ADAL" clId="{AC7080AE-87A5-4AE0-85D3-D124FCA1ECB8}" dt="2019-11-11T21:13:22.284" v="651" actId="207"/>
+          <ac:graphicFrameMkLst>
+            <pc:docMk/>
+            <pc:sldMk cId="3556574991" sldId="270"/>
+            <ac:graphicFrameMk id="7" creationId="{2E47302D-07BA-4A03-AB4C-0B6F96D37947}"/>
+          </ac:graphicFrameMkLst>
+        </pc:graphicFrameChg>
+      </pc:sldChg>
+      <pc:sldChg chg="addSp delSp modSp add ord">
+        <pc:chgData name="Aizan Magomadova" userId="b3d38ecc-02a7-4810-ad44-0e9f513517c5" providerId="ADAL" clId="{AC7080AE-87A5-4AE0-85D3-D124FCA1ECB8}" dt="2019-11-12T12:46:12.156" v="685" actId="14100"/>
+        <pc:sldMkLst>
+          <pc:docMk/>
+          <pc:sldMk cId="750115198" sldId="271"/>
+        </pc:sldMkLst>
+        <pc:spChg chg="mod">
+          <ac:chgData name="Aizan Magomadova" userId="b3d38ecc-02a7-4810-ad44-0e9f513517c5" providerId="ADAL" clId="{AC7080AE-87A5-4AE0-85D3-D124FCA1ECB8}" dt="2019-11-12T12:46:04.366" v="684" actId="20577"/>
+          <ac:spMkLst>
+            <pc:docMk/>
+            <pc:sldMk cId="750115198" sldId="271"/>
+            <ac:spMk id="2" creationId="{435312D0-4D0C-4BFA-B08A-83B475A218DD}"/>
+          </ac:spMkLst>
+        </pc:spChg>
+        <pc:spChg chg="del">
+          <ac:chgData name="Aizan Magomadova" userId="b3d38ecc-02a7-4810-ad44-0e9f513517c5" providerId="ADAL" clId="{AC7080AE-87A5-4AE0-85D3-D124FCA1ECB8}" dt="2019-11-12T12:45:51.004" v="675"/>
+          <ac:spMkLst>
+            <pc:docMk/>
+            <pc:sldMk cId="750115198" sldId="271"/>
+            <ac:spMk id="3" creationId="{BF2BC7DF-9055-45F7-A8A5-A4745D84083D}"/>
+          </ac:spMkLst>
+        </pc:spChg>
+        <pc:picChg chg="add mod">
+          <ac:chgData name="Aizan Magomadova" userId="b3d38ecc-02a7-4810-ad44-0e9f513517c5" providerId="ADAL" clId="{AC7080AE-87A5-4AE0-85D3-D124FCA1ECB8}" dt="2019-11-12T12:46:12.156" v="685" actId="14100"/>
+          <ac:picMkLst>
+            <pc:docMk/>
+            <pc:sldMk cId="750115198" sldId="271"/>
+            <ac:picMk id="4" creationId="{FC60BA41-A8C6-41C1-BA6B-053C76A95801}"/>
+          </ac:picMkLst>
+        </pc:picChg>
+      </pc:sldChg>
+      <pc:sldChg chg="addSp delSp modSp add">
+        <pc:chgData name="Aizan Magomadova" userId="b3d38ecc-02a7-4810-ad44-0e9f513517c5" providerId="ADAL" clId="{AC7080AE-87A5-4AE0-85D3-D124FCA1ECB8}" dt="2019-11-12T12:52:05.223" v="717" actId="20577"/>
+        <pc:sldMkLst>
+          <pc:docMk/>
+          <pc:sldMk cId="3134722613" sldId="272"/>
+        </pc:sldMkLst>
+        <pc:spChg chg="mod">
+          <ac:chgData name="Aizan Magomadova" userId="b3d38ecc-02a7-4810-ad44-0e9f513517c5" providerId="ADAL" clId="{AC7080AE-87A5-4AE0-85D3-D124FCA1ECB8}" dt="2019-11-12T12:52:05.223" v="717" actId="20577"/>
+          <ac:spMkLst>
+            <pc:docMk/>
+            <pc:sldMk cId="3134722613" sldId="272"/>
+            <ac:spMk id="2" creationId="{4DC63DD7-F0FB-4F09-A5A6-CC89CCB54F50}"/>
+          </ac:spMkLst>
+        </pc:spChg>
+        <pc:spChg chg="del">
+          <ac:chgData name="Aizan Magomadova" userId="b3d38ecc-02a7-4810-ad44-0e9f513517c5" providerId="ADAL" clId="{AC7080AE-87A5-4AE0-85D3-D124FCA1ECB8}" dt="2019-11-12T12:51:30.978" v="713"/>
+          <ac:spMkLst>
+            <pc:docMk/>
+            <pc:sldMk cId="3134722613" sldId="272"/>
+            <ac:spMk id="3" creationId="{AFE8132F-0906-43BC-A4C7-A16296FC5532}"/>
+          </ac:spMkLst>
+        </pc:spChg>
+        <pc:picChg chg="add mod">
+          <ac:chgData name="Aizan Magomadova" userId="b3d38ecc-02a7-4810-ad44-0e9f513517c5" providerId="ADAL" clId="{AC7080AE-87A5-4AE0-85D3-D124FCA1ECB8}" dt="2019-11-12T12:51:43.509" v="715" actId="14100"/>
+          <ac:picMkLst>
+            <pc:docMk/>
+            <pc:sldMk cId="3134722613" sldId="272"/>
+            <ac:picMk id="4" creationId="{DE3CC001-5AE5-4F65-80A3-60FC97AA2D3D}"/>
+          </ac:picMkLst>
+        </pc:picChg>
+      </pc:sldChg>
+    </pc:docChg>
+  </pc:docChgLst>
+</pc:chgInfo>
 </file>
 
 <file path=ppt/diagrams/colors1.xml><?xml version="1.0" encoding="utf-8"?>
@@ -1186,10 +1748,16 @@
         <a:lstStyle/>
         <a:p>
           <a:r>
-            <a:rPr lang="nb-NO" i="1"/>
+            <a:rPr lang="nb-NO" i="1" dirty="0"/>
             <a:t>registrere brukerinput med JavaScript</a:t>
           </a:r>
-          <a:endParaRPr lang="en-US"/>
+        </a:p>
+        <a:p>
+          <a:r>
+            <a:rPr lang="nb-NO" i="1" dirty="0"/>
+            <a:t>Stolpediagram med HTML, CSS og JavaScript</a:t>
+          </a:r>
+          <a:endParaRPr lang="en-US" dirty="0"/>
         </a:p>
       </dgm:t>
     </dgm:pt>
@@ -1396,8 +1964,8 @@
       </dsp:nvSpPr>
       <dsp:spPr>
         <a:xfrm>
-          <a:off x="461765" y="2096969"/>
-          <a:ext cx="1510523" cy="1510523"/>
+          <a:off x="461765" y="2142328"/>
+          <a:ext cx="1510523" cy="1413078"/>
         </a:xfrm>
         <a:prstGeom prst="rect">
           <a:avLst/>
@@ -1446,8 +2014,8 @@
       </dsp:nvSpPr>
       <dsp:spPr>
         <a:xfrm>
-          <a:off x="337118" y="2528541"/>
-          <a:ext cx="4315781" cy="647367"/>
+          <a:off x="337118" y="2546059"/>
+          <a:ext cx="4315781" cy="605605"/>
         </a:xfrm>
         <a:prstGeom prst="rect">
           <a:avLst/>
@@ -1497,8 +2065,8 @@
         </a:p>
       </dsp:txBody>
       <dsp:txXfrm>
-        <a:off x="337118" y="2528541"/>
-        <a:ext cx="4315781" cy="647367"/>
+        <a:off x="337118" y="2546059"/>
+        <a:ext cx="4315781" cy="605605"/>
       </dsp:txXfrm>
     </dsp:sp>
     <dsp:sp modelId="{CD096F59-557D-40AB-82A3-7A48DFF65992}">
@@ -1508,8 +2076,8 @@
       </dsp:nvSpPr>
       <dsp:spPr>
         <a:xfrm>
-          <a:off x="564387" y="2510702"/>
-          <a:ext cx="4315781" cy="3089485"/>
+          <a:off x="564387" y="2529371"/>
+          <a:ext cx="4315781" cy="2890180"/>
         </a:xfrm>
         <a:prstGeom prst="rect">
           <a:avLst/>
@@ -1540,8 +2108,8 @@
       </dsp:nvSpPr>
       <dsp:spPr>
         <a:xfrm>
-          <a:off x="3578598" y="2096969"/>
-          <a:ext cx="1510523" cy="1510523"/>
+          <a:off x="3578598" y="2142328"/>
+          <a:ext cx="1510523" cy="1413078"/>
         </a:xfrm>
         <a:prstGeom prst="rect">
           <a:avLst/>
@@ -1590,8 +2158,8 @@
       </dsp:nvSpPr>
       <dsp:spPr>
         <a:xfrm>
-          <a:off x="5396293" y="466547"/>
-          <a:ext cx="4315781" cy="647367"/>
+          <a:off x="5396293" y="617086"/>
+          <a:ext cx="4315781" cy="605605"/>
         </a:xfrm>
         <a:prstGeom prst="rect">
           <a:avLst/>
@@ -1641,8 +2209,8 @@
         </a:p>
       </dsp:txBody>
       <dsp:txXfrm>
-        <a:off x="5396293" y="466547"/>
-        <a:ext cx="4315781" cy="647367"/>
+        <a:off x="5396293" y="617086"/>
+        <a:ext cx="4315781" cy="605605"/>
       </dsp:txXfrm>
     </dsp:sp>
     <dsp:sp modelId="{25892ABE-4707-4C85-884B-BD3209C0695E}">
@@ -1652,8 +2220,8 @@
       </dsp:nvSpPr>
       <dsp:spPr>
         <a:xfrm>
-          <a:off x="5579153" y="1557441"/>
-          <a:ext cx="4315781" cy="3089485"/>
+          <a:off x="5579153" y="1637606"/>
+          <a:ext cx="4315781" cy="2890180"/>
         </a:xfrm>
         <a:prstGeom prst="rect">
           <a:avLst/>
@@ -1822,15 +2390,33 @@
             <a:buNone/>
           </a:pPr>
           <a:r>
-            <a:rPr lang="nb-NO" sz="1700" i="1" kern="1200"/>
+            <a:rPr lang="nb-NO" sz="1700" i="1" kern="1200" dirty="0"/>
             <a:t>registrere brukerinput med JavaScript</a:t>
           </a:r>
-          <a:endParaRPr lang="en-US" sz="1700" kern="1200"/>
+        </a:p>
+        <a:p>
+          <a:pPr marL="0" lvl="0" indent="0" algn="ctr" defTabSz="755650">
+            <a:lnSpc>
+              <a:spcPct val="90000"/>
+            </a:lnSpc>
+            <a:spcBef>
+              <a:spcPct val="0"/>
+            </a:spcBef>
+            <a:spcAft>
+              <a:spcPct val="35000"/>
+            </a:spcAft>
+            <a:buNone/>
+          </a:pPr>
+          <a:r>
+            <a:rPr lang="nb-NO" sz="1700" i="1" kern="1200" dirty="0"/>
+            <a:t>Stolpediagram med HTML, CSS og JavaScript</a:t>
+          </a:r>
+          <a:endParaRPr lang="en-US" sz="1700" kern="1200" dirty="0"/>
         </a:p>
       </dsp:txBody>
       <dsp:txXfrm>
-        <a:off x="5579153" y="1557441"/>
-        <a:ext cx="4315781" cy="3089485"/>
+        <a:off x="5579153" y="1637606"/>
+        <a:ext cx="4315781" cy="2890180"/>
       </dsp:txXfrm>
     </dsp:sp>
   </dsp:spTree>
@@ -3219,7 +3805,7 @@
           <a:p>
             <a:fld id="{1E64F728-7653-4821-87DC-64AF2B899C78}" type="datetimeFigureOut">
               <a:rPr lang="nb-NO" smtClean="0"/>
-              <a:t>10.11.2019</a:t>
+              <a:t>12.11.2019</a:t>
             </a:fld>
             <a:endParaRPr lang="nb-NO"/>
           </a:p>
@@ -3417,7 +4003,7 @@
           <a:p>
             <a:fld id="{1E64F728-7653-4821-87DC-64AF2B899C78}" type="datetimeFigureOut">
               <a:rPr lang="nb-NO" smtClean="0"/>
-              <a:t>10.11.2019</a:t>
+              <a:t>12.11.2019</a:t>
             </a:fld>
             <a:endParaRPr lang="nb-NO"/>
           </a:p>
@@ -3625,7 +4211,7 @@
           <a:p>
             <a:fld id="{1E64F728-7653-4821-87DC-64AF2B899C78}" type="datetimeFigureOut">
               <a:rPr lang="nb-NO" smtClean="0"/>
-              <a:t>10.11.2019</a:t>
+              <a:t>12.11.2019</a:t>
             </a:fld>
             <a:endParaRPr lang="nb-NO"/>
           </a:p>
@@ -3823,7 +4409,7 @@
           <a:p>
             <a:fld id="{1E64F728-7653-4821-87DC-64AF2B899C78}" type="datetimeFigureOut">
               <a:rPr lang="nb-NO" smtClean="0"/>
-              <a:t>10.11.2019</a:t>
+              <a:t>12.11.2019</a:t>
             </a:fld>
             <a:endParaRPr lang="nb-NO"/>
           </a:p>
@@ -4098,7 +4684,7 @@
           <a:p>
             <a:fld id="{1E64F728-7653-4821-87DC-64AF2B899C78}" type="datetimeFigureOut">
               <a:rPr lang="nb-NO" smtClean="0"/>
-              <a:t>10.11.2019</a:t>
+              <a:t>12.11.2019</a:t>
             </a:fld>
             <a:endParaRPr lang="nb-NO"/>
           </a:p>
@@ -4363,7 +4949,7 @@
           <a:p>
             <a:fld id="{1E64F728-7653-4821-87DC-64AF2B899C78}" type="datetimeFigureOut">
               <a:rPr lang="nb-NO" smtClean="0"/>
-              <a:t>10.11.2019</a:t>
+              <a:t>12.11.2019</a:t>
             </a:fld>
             <a:endParaRPr lang="nb-NO"/>
           </a:p>
@@ -4775,7 +5361,7 @@
           <a:p>
             <a:fld id="{1E64F728-7653-4821-87DC-64AF2B899C78}" type="datetimeFigureOut">
               <a:rPr lang="nb-NO" smtClean="0"/>
-              <a:t>10.11.2019</a:t>
+              <a:t>12.11.2019</a:t>
             </a:fld>
             <a:endParaRPr lang="nb-NO"/>
           </a:p>
@@ -4916,7 +5502,7 @@
           <a:p>
             <a:fld id="{1E64F728-7653-4821-87DC-64AF2B899C78}" type="datetimeFigureOut">
               <a:rPr lang="nb-NO" smtClean="0"/>
-              <a:t>10.11.2019</a:t>
+              <a:t>12.11.2019</a:t>
             </a:fld>
             <a:endParaRPr lang="nb-NO"/>
           </a:p>
@@ -5029,7 +5615,7 @@
           <a:p>
             <a:fld id="{1E64F728-7653-4821-87DC-64AF2B899C78}" type="datetimeFigureOut">
               <a:rPr lang="nb-NO" smtClean="0"/>
-              <a:t>10.11.2019</a:t>
+              <a:t>12.11.2019</a:t>
             </a:fld>
             <a:endParaRPr lang="nb-NO"/>
           </a:p>
@@ -5340,7 +5926,7 @@
           <a:p>
             <a:fld id="{1E64F728-7653-4821-87DC-64AF2B899C78}" type="datetimeFigureOut">
               <a:rPr lang="nb-NO" smtClean="0"/>
-              <a:t>10.11.2019</a:t>
+              <a:t>12.11.2019</a:t>
             </a:fld>
             <a:endParaRPr lang="nb-NO"/>
           </a:p>
@@ -5628,7 +6214,7 @@
           <a:p>
             <a:fld id="{1E64F728-7653-4821-87DC-64AF2B899C78}" type="datetimeFigureOut">
               <a:rPr lang="nb-NO" smtClean="0"/>
-              <a:t>10.11.2019</a:t>
+              <a:t>12.11.2019</a:t>
             </a:fld>
             <a:endParaRPr lang="nb-NO"/>
           </a:p>
@@ -5869,7 +6455,7 @@
           <a:p>
             <a:fld id="{1E64F728-7653-4821-87DC-64AF2B899C78}" type="datetimeFigureOut">
               <a:rPr lang="nb-NO" smtClean="0"/>
-              <a:t>10.11.2019</a:t>
+              <a:t>12.11.2019</a:t>
             </a:fld>
             <a:endParaRPr lang="nb-NO"/>
           </a:p>
@@ -6355,6 +6941,371 @@
 </p:sld>
 </file>
 
+<file path=ppt/slides/slide10.xml><?xml version="1.0" encoding="utf-8"?>
+<p:sld xmlns:a="http://schemas.openxmlformats.org/drawingml/2006/main" xmlns:r="http://schemas.openxmlformats.org/officeDocument/2006/relationships" xmlns:p="http://schemas.openxmlformats.org/presentationml/2006/main">
+  <p:cSld>
+    <p:spTree>
+      <p:nvGrpSpPr>
+        <p:cNvPr id="1" name=""/>
+        <p:cNvGrpSpPr/>
+        <p:nvPr/>
+      </p:nvGrpSpPr>
+      <p:grpSpPr>
+        <a:xfrm>
+          <a:off x="0" y="0"/>
+          <a:ext cx="0" cy="0"/>
+          <a:chOff x="0" y="0"/>
+          <a:chExt cx="0" cy="0"/>
+        </a:xfrm>
+      </p:grpSpPr>
+      <p:sp>
+        <p:nvSpPr>
+          <p:cNvPr id="2" name="Tittel 1">
+            <a:extLst>
+              <a:ext uri="{FF2B5EF4-FFF2-40B4-BE49-F238E27FC236}">
+                <a16:creationId xmlns:a16="http://schemas.microsoft.com/office/drawing/2014/main" id="{68A8451D-43FF-4F47-8E4B-8D10046B8F0B}"/>
+              </a:ext>
+            </a:extLst>
+          </p:cNvPr>
+          <p:cNvSpPr>
+            <a:spLocks noGrp="1"/>
+          </p:cNvSpPr>
+          <p:nvPr>
+            <p:ph type="title"/>
+          </p:nvPr>
+        </p:nvSpPr>
+        <p:spPr/>
+        <p:txBody>
+          <a:bodyPr/>
+          <a:lstStyle/>
+          <a:p>
+            <a:r>
+              <a:rPr lang="nb-NO" dirty="0"/>
+              <a:t>Eksempel 5 Stolpediagram</a:t>
+            </a:r>
+          </a:p>
+        </p:txBody>
+      </p:sp>
+      <p:pic>
+        <p:nvPicPr>
+          <p:cNvPr id="7" name="Plassholder for innhold 6">
+            <a:extLst>
+              <a:ext uri="{FF2B5EF4-FFF2-40B4-BE49-F238E27FC236}">
+                <a16:creationId xmlns:a16="http://schemas.microsoft.com/office/drawing/2014/main" id="{3072B63D-F5EC-4030-8144-15A674104CD8}"/>
+              </a:ext>
+            </a:extLst>
+          </p:cNvPr>
+          <p:cNvPicPr>
+            <a:picLocks noGrp="1" noChangeAspect="1"/>
+          </p:cNvPicPr>
+          <p:nvPr>
+            <p:ph idx="1"/>
+          </p:nvPr>
+        </p:nvPicPr>
+        <p:blipFill>
+          <a:blip r:embed="rId2"/>
+          <a:stretch>
+            <a:fillRect/>
+          </a:stretch>
+        </p:blipFill>
+        <p:spPr>
+          <a:xfrm>
+            <a:off x="1394847" y="1606367"/>
+            <a:ext cx="7730103" cy="3937977"/>
+          </a:xfrm>
+          <a:prstGeom prst="rect">
+            <a:avLst/>
+          </a:prstGeom>
+        </p:spPr>
+      </p:pic>
+    </p:spTree>
+    <p:extLst>
+      <p:ext uri="{BB962C8B-B14F-4D97-AF65-F5344CB8AC3E}">
+        <p14:creationId xmlns:p14="http://schemas.microsoft.com/office/powerpoint/2010/main" val="3329264954"/>
+      </p:ext>
+    </p:extLst>
+  </p:cSld>
+  <p:clrMapOvr>
+    <a:masterClrMapping/>
+  </p:clrMapOvr>
+</p:sld>
+</file>
+
+<file path=ppt/slides/slide11.xml><?xml version="1.0" encoding="utf-8"?>
+<p:sld xmlns:a="http://schemas.openxmlformats.org/drawingml/2006/main" xmlns:r="http://schemas.openxmlformats.org/officeDocument/2006/relationships" xmlns:p="http://schemas.openxmlformats.org/presentationml/2006/main">
+  <p:cSld>
+    <p:spTree>
+      <p:nvGrpSpPr>
+        <p:cNvPr id="1" name=""/>
+        <p:cNvGrpSpPr/>
+        <p:nvPr/>
+      </p:nvGrpSpPr>
+      <p:grpSpPr>
+        <a:xfrm>
+          <a:off x="0" y="0"/>
+          <a:ext cx="0" cy="0"/>
+          <a:chOff x="0" y="0"/>
+          <a:chExt cx="0" cy="0"/>
+        </a:xfrm>
+      </p:grpSpPr>
+      <p:sp>
+        <p:nvSpPr>
+          <p:cNvPr id="2" name="Tittel 1">
+            <a:extLst>
+              <a:ext uri="{FF2B5EF4-FFF2-40B4-BE49-F238E27FC236}">
+                <a16:creationId xmlns:a16="http://schemas.microsoft.com/office/drawing/2014/main" id="{435312D0-4D0C-4BFA-B08A-83B475A218DD}"/>
+              </a:ext>
+            </a:extLst>
+          </p:cNvPr>
+          <p:cNvSpPr>
+            <a:spLocks noGrp="1"/>
+          </p:cNvSpPr>
+          <p:nvPr>
+            <p:ph type="title"/>
+          </p:nvPr>
+        </p:nvSpPr>
+        <p:spPr/>
+        <p:txBody>
+          <a:bodyPr/>
+          <a:lstStyle/>
+          <a:p>
+            <a:r>
+              <a:rPr lang="nb-NO" dirty="0"/>
+              <a:t>Form-element</a:t>
+            </a:r>
+          </a:p>
+        </p:txBody>
+      </p:sp>
+      <p:pic>
+        <p:nvPicPr>
+          <p:cNvPr id="4" name="Plassholder for innhold 3">
+            <a:extLst>
+              <a:ext uri="{FF2B5EF4-FFF2-40B4-BE49-F238E27FC236}">
+                <a16:creationId xmlns:a16="http://schemas.microsoft.com/office/drawing/2014/main" id="{FC60BA41-A8C6-41C1-BA6B-053C76A95801}"/>
+              </a:ext>
+            </a:extLst>
+          </p:cNvPr>
+          <p:cNvPicPr>
+            <a:picLocks noGrp="1" noChangeAspect="1"/>
+          </p:cNvPicPr>
+          <p:nvPr>
+            <p:ph idx="1"/>
+          </p:nvPr>
+        </p:nvPicPr>
+        <p:blipFill>
+          <a:blip r:embed="rId2"/>
+          <a:stretch>
+            <a:fillRect/>
+          </a:stretch>
+        </p:blipFill>
+        <p:spPr>
+          <a:xfrm>
+            <a:off x="2154264" y="1450067"/>
+            <a:ext cx="7601163" cy="4919736"/>
+          </a:xfrm>
+          <a:prstGeom prst="rect">
+            <a:avLst/>
+          </a:prstGeom>
+        </p:spPr>
+      </p:pic>
+    </p:spTree>
+    <p:extLst>
+      <p:ext uri="{BB962C8B-B14F-4D97-AF65-F5344CB8AC3E}">
+        <p14:creationId xmlns:p14="http://schemas.microsoft.com/office/powerpoint/2010/main" val="750115198"/>
+      </p:ext>
+    </p:extLst>
+  </p:cSld>
+  <p:clrMapOvr>
+    <a:masterClrMapping/>
+  </p:clrMapOvr>
+</p:sld>
+</file>
+
+<file path=ppt/slides/slide12.xml><?xml version="1.0" encoding="utf-8"?>
+<p:sld xmlns:a="http://schemas.openxmlformats.org/drawingml/2006/main" xmlns:r="http://schemas.openxmlformats.org/officeDocument/2006/relationships" xmlns:p="http://schemas.openxmlformats.org/presentationml/2006/main">
+  <p:cSld>
+    <p:spTree>
+      <p:nvGrpSpPr>
+        <p:cNvPr id="1" name=""/>
+        <p:cNvGrpSpPr/>
+        <p:nvPr/>
+      </p:nvGrpSpPr>
+      <p:grpSpPr>
+        <a:xfrm>
+          <a:off x="0" y="0"/>
+          <a:ext cx="0" cy="0"/>
+          <a:chOff x="0" y="0"/>
+          <a:chExt cx="0" cy="0"/>
+        </a:xfrm>
+      </p:grpSpPr>
+      <p:sp>
+        <p:nvSpPr>
+          <p:cNvPr id="2" name="Tittel 1">
+            <a:extLst>
+              <a:ext uri="{FF2B5EF4-FFF2-40B4-BE49-F238E27FC236}">
+                <a16:creationId xmlns:a16="http://schemas.microsoft.com/office/drawing/2014/main" id="{4DC63DD7-F0FB-4F09-A5A6-CC89CCB54F50}"/>
+              </a:ext>
+            </a:extLst>
+          </p:cNvPr>
+          <p:cNvSpPr>
+            <a:spLocks noGrp="1"/>
+          </p:cNvSpPr>
+          <p:nvPr>
+            <p:ph type="title"/>
+          </p:nvPr>
+        </p:nvSpPr>
+        <p:spPr/>
+        <p:txBody>
+          <a:bodyPr/>
+          <a:lstStyle/>
+          <a:p>
+            <a:r>
+              <a:rPr lang="nb-NO" dirty="0"/>
+              <a:t>Eksempel 6 Input-elementer</a:t>
+            </a:r>
+          </a:p>
+        </p:txBody>
+      </p:sp>
+      <p:pic>
+        <p:nvPicPr>
+          <p:cNvPr id="4" name="Plassholder for innhold 3">
+            <a:extLst>
+              <a:ext uri="{FF2B5EF4-FFF2-40B4-BE49-F238E27FC236}">
+                <a16:creationId xmlns:a16="http://schemas.microsoft.com/office/drawing/2014/main" id="{DE3CC001-5AE5-4F65-80A3-60FC97AA2D3D}"/>
+              </a:ext>
+            </a:extLst>
+          </p:cNvPr>
+          <p:cNvPicPr>
+            <a:picLocks noGrp="1" noChangeAspect="1"/>
+          </p:cNvPicPr>
+          <p:nvPr>
+            <p:ph idx="1"/>
+          </p:nvPr>
+        </p:nvPicPr>
+        <p:blipFill>
+          <a:blip r:embed="rId2"/>
+          <a:stretch>
+            <a:fillRect/>
+          </a:stretch>
+        </p:blipFill>
+        <p:spPr>
+          <a:xfrm>
+            <a:off x="2309246" y="1424198"/>
+            <a:ext cx="7608607" cy="5178080"/>
+          </a:xfrm>
+          <a:prstGeom prst="rect">
+            <a:avLst/>
+          </a:prstGeom>
+        </p:spPr>
+      </p:pic>
+    </p:spTree>
+    <p:extLst>
+      <p:ext uri="{BB962C8B-B14F-4D97-AF65-F5344CB8AC3E}">
+        <p14:creationId xmlns:p14="http://schemas.microsoft.com/office/powerpoint/2010/main" val="3134722613"/>
+      </p:ext>
+    </p:extLst>
+  </p:cSld>
+  <p:clrMapOvr>
+    <a:masterClrMapping/>
+  </p:clrMapOvr>
+</p:sld>
+</file>
+
+<file path=ppt/slides/slide13.xml><?xml version="1.0" encoding="utf-8"?>
+<p:sld xmlns:a="http://schemas.openxmlformats.org/drawingml/2006/main" xmlns:r="http://schemas.openxmlformats.org/officeDocument/2006/relationships" xmlns:p="http://schemas.openxmlformats.org/presentationml/2006/main">
+  <p:cSld>
+    <p:spTree>
+      <p:nvGrpSpPr>
+        <p:cNvPr id="1" name=""/>
+        <p:cNvGrpSpPr/>
+        <p:nvPr/>
+      </p:nvGrpSpPr>
+      <p:grpSpPr>
+        <a:xfrm>
+          <a:off x="0" y="0"/>
+          <a:ext cx="0" cy="0"/>
+          <a:chOff x="0" y="0"/>
+          <a:chExt cx="0" cy="0"/>
+        </a:xfrm>
+      </p:grpSpPr>
+      <p:sp>
+        <p:nvSpPr>
+          <p:cNvPr id="2" name="Tittel 1">
+            <a:extLst>
+              <a:ext uri="{FF2B5EF4-FFF2-40B4-BE49-F238E27FC236}">
+                <a16:creationId xmlns:a16="http://schemas.microsoft.com/office/drawing/2014/main" id="{EC3EBB20-9CFC-49A9-AF6D-700803743C09}"/>
+              </a:ext>
+            </a:extLst>
+          </p:cNvPr>
+          <p:cNvSpPr>
+            <a:spLocks noGrp="1"/>
+          </p:cNvSpPr>
+          <p:nvPr>
+            <p:ph type="title"/>
+          </p:nvPr>
+        </p:nvSpPr>
+        <p:spPr/>
+        <p:txBody>
+          <a:bodyPr/>
+          <a:lstStyle/>
+          <a:p>
+            <a:r>
+              <a:rPr lang="nb-NO" dirty="0"/>
+              <a:t>Eksempel 7 </a:t>
+            </a:r>
+            <a:r>
+              <a:rPr lang="nb-NO" dirty="0" err="1"/>
+              <a:t>FilmRegister</a:t>
+            </a:r>
+            <a:endParaRPr lang="nb-NO" dirty="0"/>
+          </a:p>
+        </p:txBody>
+      </p:sp>
+      <p:pic>
+        <p:nvPicPr>
+          <p:cNvPr id="4" name="Plassholder for innhold 3">
+            <a:extLst>
+              <a:ext uri="{FF2B5EF4-FFF2-40B4-BE49-F238E27FC236}">
+                <a16:creationId xmlns:a16="http://schemas.microsoft.com/office/drawing/2014/main" id="{02A207AE-687E-4CE2-B37E-B68EEA865040}"/>
+              </a:ext>
+            </a:extLst>
+          </p:cNvPr>
+          <p:cNvPicPr>
+            <a:picLocks noGrp="1" noChangeAspect="1"/>
+          </p:cNvPicPr>
+          <p:nvPr>
+            <p:ph idx="1"/>
+          </p:nvPr>
+        </p:nvPicPr>
+        <p:blipFill>
+          <a:blip r:embed="rId2"/>
+          <a:stretch>
+            <a:fillRect/>
+          </a:stretch>
+        </p:blipFill>
+        <p:spPr>
+          <a:xfrm>
+            <a:off x="560903" y="1534332"/>
+            <a:ext cx="11381156" cy="4788976"/>
+          </a:xfrm>
+          <a:prstGeom prst="rect">
+            <a:avLst/>
+          </a:prstGeom>
+        </p:spPr>
+      </p:pic>
+    </p:spTree>
+    <p:extLst>
+      <p:ext uri="{BB962C8B-B14F-4D97-AF65-F5344CB8AC3E}">
+        <p14:creationId xmlns:p14="http://schemas.microsoft.com/office/powerpoint/2010/main" val="3936405689"/>
+      </p:ext>
+    </p:extLst>
+  </p:cSld>
+  <p:clrMapOvr>
+    <a:masterClrMapping/>
+  </p:clrMapOvr>
+</p:sld>
+</file>
+
 <file path=ppt/slides/slide2.xml><?xml version="1.0" encoding="utf-8"?>
 <p:sld xmlns:a="http://schemas.openxmlformats.org/drawingml/2006/main" xmlns:r="http://schemas.openxmlformats.org/officeDocument/2006/relationships" xmlns:p="http://schemas.openxmlformats.org/presentationml/2006/main">
   <p:cSld>
@@ -6431,7 +7382,7 @@
             <p:ph idx="1"/>
             <p:extLst>
               <p:ext uri="{D42A27DB-BD31-4B8C-83A1-F6EECF244321}">
-                <p14:modId xmlns:p14="http://schemas.microsoft.com/office/powerpoint/2010/main" val="4056475019"/>
+                <p14:modId xmlns:p14="http://schemas.microsoft.com/office/powerpoint/2010/main" val="2919236467"/>
               </p:ext>
             </p:extLst>
           </p:nvPr>
@@ -6749,12 +7700,9 @@
             </a:r>
           </a:p>
           <a:p>
-            <a:r>
-              <a:rPr lang="nb-NO" sz="2400" dirty="0"/>
-              <a:t>Eksempel Velg en dør</a:t>
-            </a:r>
-          </a:p>
-          <a:p>
+            <a:pPr marL="0" indent="0">
+              <a:buNone/>
+            </a:pPr>
             <a:endParaRPr lang="nb-NO" sz="2400" dirty="0"/>
           </a:p>
         </p:txBody>
@@ -6775,14 +7723,6 @@
 <file path=ppt/slides/slide4.xml><?xml version="1.0" encoding="utf-8"?>
 <p:sld xmlns:a="http://schemas.openxmlformats.org/drawingml/2006/main" xmlns:r="http://schemas.openxmlformats.org/officeDocument/2006/relationships" xmlns:p="http://schemas.openxmlformats.org/presentationml/2006/main">
   <p:cSld>
-    <p:bg>
-      <p:bgPr>
-        <a:solidFill>
-          <a:schemeClr val="bg1"/>
-        </a:solidFill>
-        <a:effectLst/>
-      </p:bgPr>
-    </p:bg>
     <p:spTree>
       <p:nvGrpSpPr>
         <p:cNvPr id="1" name=""/>
@@ -6799,75 +7739,10 @@
       </p:grpSpPr>
       <p:sp>
         <p:nvSpPr>
-          <p:cNvPr id="9" name="Rectangle 8">
+          <p:cNvPr id="5" name="Tittel 4">
             <a:extLst>
               <a:ext uri="{FF2B5EF4-FFF2-40B4-BE49-F238E27FC236}">
-                <a16:creationId xmlns:a16="http://schemas.microsoft.com/office/drawing/2014/main" id="{8D70B121-56F4-4848-B38B-182089D909FA}"/>
-              </a:ext>
-              <a:ext uri="{C183D7F6-B498-43B3-948B-1728B52AA6E4}">
-                <adec:decorative xmlns:adec="http://schemas.microsoft.com/office/drawing/2017/decorative" val="1"/>
-              </a:ext>
-            </a:extLst>
-          </p:cNvPr>
-          <p:cNvSpPr>
-            <a:spLocks noGrp="1" noRot="1" noChangeAspect="1" noMove="1" noResize="1" noEditPoints="1" noAdjustHandles="1" noChangeArrowheads="1" noChangeShapeType="1" noTextEdit="1"/>
-          </p:cNvSpPr>
-          <p:nvPr>
-            <p:extLst>
-              <p:ext uri="{386F3935-93C4-4BCD-93E2-E3B085C9AB24}">
-                <p16:designElem xmlns:p16="http://schemas.microsoft.com/office/powerpoint/2015/main" val="1"/>
-              </p:ext>
-            </p:extLst>
-          </p:nvPr>
-        </p:nvSpPr>
-        <p:spPr bwMode="ltGray">
-          <a:xfrm>
-            <a:off x="321564" y="320040"/>
-            <a:ext cx="11548872" cy="6217920"/>
-          </a:xfrm>
-          <a:prstGeom prst="rect">
-            <a:avLst/>
-          </a:prstGeom>
-          <a:solidFill>
-            <a:schemeClr val="tx1">
-              <a:alpha val="8000"/>
-            </a:schemeClr>
-          </a:solidFill>
-          <a:ln w="127000" cap="sq" cmpd="thinThick">
-            <a:noFill/>
-          </a:ln>
-        </p:spPr>
-        <p:style>
-          <a:lnRef idx="2">
-            <a:schemeClr val="accent1">
-              <a:shade val="50000"/>
-            </a:schemeClr>
-          </a:lnRef>
-          <a:fillRef idx="1">
-            <a:schemeClr val="accent1"/>
-          </a:fillRef>
-          <a:effectRef idx="0">
-            <a:schemeClr val="accent1"/>
-          </a:effectRef>
-          <a:fontRef idx="minor">
-            <a:schemeClr val="lt1"/>
-          </a:fontRef>
-        </p:style>
-        <p:txBody>
-          <a:bodyPr rtlCol="0" anchor="ctr"/>
-          <a:lstStyle/>
-          <a:p>
-            <a:pPr algn="ctr"/>
-            <a:endParaRPr lang="en-US"/>
-          </a:p>
-        </p:txBody>
-      </p:sp>
-      <p:sp>
-        <p:nvSpPr>
-          <p:cNvPr id="2" name="Tittel 1">
-            <a:extLst>
-              <a:ext uri="{FF2B5EF4-FFF2-40B4-BE49-F238E27FC236}">
-                <a16:creationId xmlns:a16="http://schemas.microsoft.com/office/drawing/2014/main" id="{793C3323-68A6-4422-BC6A-B1934D5970C4}"/>
+                <a16:creationId xmlns:a16="http://schemas.microsoft.com/office/drawing/2014/main" id="{E576D170-2C74-43CA-90CD-51632E3D69EA}"/>
               </a:ext>
             </a:extLst>
           </p:cNvPr>
@@ -6878,200 +7753,584 @@
             <p:ph type="title"/>
           </p:nvPr>
         </p:nvSpPr>
-        <p:spPr>
-          <a:xfrm>
-            <a:off x="838200" y="963877"/>
-            <a:ext cx="3494362" cy="4930246"/>
-          </a:xfrm>
-        </p:spPr>
+        <p:spPr/>
         <p:txBody>
-          <a:bodyPr vert="horz" lIns="91440" tIns="45720" rIns="91440" bIns="45720" rtlCol="0" anchor="ctr">
-            <a:normAutofit/>
-          </a:bodyPr>
+          <a:bodyPr/>
           <a:lstStyle/>
           <a:p>
-            <a:pPr algn="r"/>
             <a:r>
-              <a:rPr lang="en-US" sz="3700" kern="1200">
-                <a:solidFill>
-                  <a:schemeClr val="accent1"/>
-                </a:solidFill>
-                <a:latin typeface="+mj-lt"/>
-                <a:ea typeface="+mj-ea"/>
-                <a:cs typeface="+mj-cs"/>
-              </a:rPr>
-              <a:t>Musebevegelser</a:t>
+              <a:rPr lang="nb-NO" dirty="0"/>
+              <a:t>Hendelser</a:t>
             </a:r>
           </a:p>
         </p:txBody>
       </p:sp>
-      <p:cxnSp>
-        <p:nvCxnSpPr>
-          <p:cNvPr id="11" name="Straight Connector 10">
+      <p:graphicFrame>
+        <p:nvGraphicFramePr>
+          <p:cNvPr id="7" name="Plassholder for innhold 6">
             <a:extLst>
               <a:ext uri="{FF2B5EF4-FFF2-40B4-BE49-F238E27FC236}">
-                <a16:creationId xmlns:a16="http://schemas.microsoft.com/office/drawing/2014/main" id="{2D72A2C9-F3CA-4216-8BAD-FA4C970C3C4E}"/>
-              </a:ext>
-              <a:ext uri="{C183D7F6-B498-43B3-948B-1728B52AA6E4}">
-                <adec:decorative xmlns:adec="http://schemas.microsoft.com/office/drawing/2017/decorative" val="1"/>
+                <a16:creationId xmlns:a16="http://schemas.microsoft.com/office/drawing/2014/main" id="{2E47302D-07BA-4A03-AB4C-0B6F96D37947}"/>
               </a:ext>
             </a:extLst>
           </p:cNvPr>
-          <p:cNvCxnSpPr>
-            <a:cxnSpLocks noGrp="1" noRot="1" noChangeAspect="1" noMove="1" noResize="1" noEditPoints="1" noAdjustHandles="1" noChangeArrowheads="1" noChangeShapeType="1"/>
-          </p:cNvCxnSpPr>
+          <p:cNvGraphicFramePr>
+            <a:graphicFrameLocks noGrp="1"/>
+          </p:cNvGraphicFramePr>
           <p:nvPr>
+            <p:ph idx="1"/>
             <p:extLst>
-              <p:ext uri="{386F3935-93C4-4BCD-93E2-E3B085C9AB24}">
-                <p16:designElem xmlns:p16="http://schemas.microsoft.com/office/powerpoint/2015/main" val="1"/>
+              <p:ext uri="{D42A27DB-BD31-4B8C-83A1-F6EECF244321}">
+                <p14:modId xmlns:p14="http://schemas.microsoft.com/office/powerpoint/2010/main" val="2207811521"/>
               </p:ext>
             </p:extLst>
           </p:nvPr>
-        </p:nvCxnSpPr>
-        <p:spPr>
-          <a:xfrm>
-            <a:off x="4654296" y="2057400"/>
-            <a:ext cx="0" cy="2743200"/>
-          </a:xfrm>
-          <a:prstGeom prst="line">
-            <a:avLst/>
-          </a:prstGeom>
-          <a:ln w="19050">
-            <a:solidFill>
-              <a:schemeClr val="tx1">
-                <a:lumMod val="85000"/>
-                <a:lumOff val="15000"/>
-              </a:schemeClr>
-            </a:solidFill>
-          </a:ln>
-        </p:spPr>
-        <p:style>
-          <a:lnRef idx="1">
-            <a:schemeClr val="accent1"/>
-          </a:lnRef>
-          <a:fillRef idx="0">
-            <a:schemeClr val="accent1"/>
-          </a:fillRef>
-          <a:effectRef idx="0">
-            <a:schemeClr val="accent1"/>
-          </a:effectRef>
-          <a:fontRef idx="minor">
-            <a:schemeClr val="tx1"/>
-          </a:fontRef>
-        </p:style>
-      </p:cxnSp>
-      <p:sp>
-        <p:nvSpPr>
-          <p:cNvPr id="3" name="Plassholder for innhold 2">
-            <a:extLst>
-              <a:ext uri="{FF2B5EF4-FFF2-40B4-BE49-F238E27FC236}">
-                <a16:creationId xmlns:a16="http://schemas.microsoft.com/office/drawing/2014/main" id="{C58661C4-9234-498A-A4FC-45E419323B85}"/>
-              </a:ext>
-            </a:extLst>
-          </p:cNvPr>
-          <p:cNvSpPr>
-            <a:spLocks noGrp="1"/>
-          </p:cNvSpPr>
-          <p:nvPr>
-            <p:ph type="body" sz="half" idx="2"/>
-          </p:nvPr>
-        </p:nvSpPr>
-        <p:spPr>
-          <a:xfrm>
-            <a:off x="4976031" y="963877"/>
-            <a:ext cx="6377769" cy="4930246"/>
-          </a:xfrm>
-        </p:spPr>
-        <p:txBody>
-          <a:bodyPr vert="horz" lIns="91440" tIns="45720" rIns="91440" bIns="45720" rtlCol="0" anchor="ctr">
-            <a:normAutofit/>
-          </a:bodyPr>
-          <a:lstStyle/>
-          <a:p>
-            <a:pPr indent="-228600">
-              <a:buFont typeface="Arial" panose="020B0604020202020204" pitchFamily="34" charset="0"/>
-              <a:buChar char="•"/>
-            </a:pPr>
-            <a:r>
-              <a:rPr lang="en-US" sz="2400" i="1"/>
-              <a:t>mousemove</a:t>
-            </a:r>
-            <a:r>
-              <a:rPr lang="en-US" sz="2400"/>
-              <a:t> – musepekeren beveges over et element</a:t>
-            </a:r>
-          </a:p>
-          <a:p>
-            <a:pPr indent="-228600">
-              <a:buFont typeface="Arial" panose="020B0604020202020204" pitchFamily="34" charset="0"/>
-              <a:buChar char="•"/>
-            </a:pPr>
-            <a:r>
-              <a:rPr lang="en-US" sz="2400" i="1"/>
-              <a:t>mouseout</a:t>
-            </a:r>
-            <a:r>
-              <a:rPr lang="en-US" sz="2400"/>
-              <a:t> - musepekeren forlater et element</a:t>
-            </a:r>
-          </a:p>
-          <a:p>
-            <a:pPr indent="-228600">
-              <a:buFont typeface="Arial" panose="020B0604020202020204" pitchFamily="34" charset="0"/>
-              <a:buChar char="•"/>
-            </a:pPr>
-            <a:r>
-              <a:rPr lang="en-US" sz="2400" i="1"/>
-              <a:t>mouseover</a:t>
-            </a:r>
-            <a:r>
-              <a:rPr lang="en-US" sz="2400"/>
-              <a:t> – musepekeren føres over et element</a:t>
-            </a:r>
-          </a:p>
-          <a:p>
-            <a:pPr indent="-228600">
-              <a:buFont typeface="Arial" panose="020B0604020202020204" pitchFamily="34" charset="0"/>
-              <a:buChar char="•"/>
-            </a:pPr>
-            <a:r>
-              <a:rPr lang="en-US" sz="2400" i="1"/>
-              <a:t>clientX</a:t>
-            </a:r>
-          </a:p>
-          <a:p>
-            <a:pPr indent="-228600">
-              <a:buFont typeface="Arial" panose="020B0604020202020204" pitchFamily="34" charset="0"/>
-              <a:buChar char="•"/>
-            </a:pPr>
-            <a:r>
-              <a:rPr lang="en-US" sz="2400" i="1"/>
-              <a:t>clientY </a:t>
-            </a:r>
-          </a:p>
-          <a:p>
-            <a:pPr indent="-228600">
-              <a:buFont typeface="Arial" panose="020B0604020202020204" pitchFamily="34" charset="0"/>
-              <a:buChar char="•"/>
-            </a:pPr>
-            <a:endParaRPr lang="en-US" sz="2400"/>
-          </a:p>
-          <a:p>
-            <a:pPr marL="0" indent="-228600">
-              <a:buFont typeface="Arial" panose="020B0604020202020204" pitchFamily="34" charset="0"/>
-              <a:buChar char="•"/>
-            </a:pPr>
-            <a:r>
-              <a:rPr lang="en-US" sz="2400"/>
-              <a:t>Eksempel Vis posisjonen</a:t>
-            </a:r>
-          </a:p>
-        </p:txBody>
-      </p:sp>
+        </p:nvGraphicFramePr>
+        <p:xfrm>
+          <a:off x="838200" y="1825625"/>
+          <a:ext cx="10515600" cy="4754880"/>
+        </p:xfrm>
+        <a:graphic>
+          <a:graphicData uri="http://schemas.openxmlformats.org/drawingml/2006/table">
+            <a:tbl>
+              <a:tblPr firstRow="1" bandRow="1">
+                <a:tableStyleId>{F5AB1C69-6EDB-4FF4-983F-18BD219EF322}</a:tableStyleId>
+              </a:tblPr>
+              <a:tblGrid>
+                <a:gridCol w="5257800">
+                  <a:extLst>
+                    <a:ext uri="{9D8B030D-6E8A-4147-A177-3AD203B41FA5}">
+                      <a16:colId xmlns:a16="http://schemas.microsoft.com/office/drawing/2014/main" val="923232046"/>
+                    </a:ext>
+                  </a:extLst>
+                </a:gridCol>
+                <a:gridCol w="5257800">
+                  <a:extLst>
+                    <a:ext uri="{9D8B030D-6E8A-4147-A177-3AD203B41FA5}">
+                      <a16:colId xmlns:a16="http://schemas.microsoft.com/office/drawing/2014/main" val="3806249869"/>
+                    </a:ext>
+                  </a:extLst>
+                </a:gridCol>
+              </a:tblGrid>
+              <a:tr h="370840">
+                <a:tc>
+                  <a:txBody>
+                    <a:bodyPr/>
+                    <a:lstStyle/>
+                    <a:p>
+                      <a:r>
+                        <a:rPr lang="nb-NO" sz="2000" dirty="0"/>
+                        <a:t>Hendelse</a:t>
+                      </a:r>
+                    </a:p>
+                  </a:txBody>
+                  <a:tcPr/>
+                </a:tc>
+                <a:tc>
+                  <a:txBody>
+                    <a:bodyPr/>
+                    <a:lstStyle/>
+                    <a:p>
+                      <a:r>
+                        <a:rPr lang="nb-NO" sz="2000" dirty="0"/>
+                        <a:t>Forklaring </a:t>
+                      </a:r>
+                    </a:p>
+                  </a:txBody>
+                  <a:tcPr/>
+                </a:tc>
+                <a:extLst>
+                  <a:ext uri="{0D108BD9-81ED-4DB2-BD59-A6C34878D82A}">
+                    <a16:rowId xmlns:a16="http://schemas.microsoft.com/office/drawing/2014/main" val="401323970"/>
+                  </a:ext>
+                </a:extLst>
+              </a:tr>
+              <a:tr h="370840">
+                <a:tc>
+                  <a:txBody>
+                    <a:bodyPr/>
+                    <a:lstStyle/>
+                    <a:p>
+                      <a:r>
+                        <a:rPr lang="nb-NO" sz="2000" i="1" dirty="0" err="1">
+                          <a:solidFill>
+                            <a:schemeClr val="accent1"/>
+                          </a:solidFill>
+                        </a:rPr>
+                        <a:t>onchange</a:t>
+                      </a:r>
+                      <a:endParaRPr lang="nb-NO" sz="2000" i="1" dirty="0">
+                        <a:solidFill>
+                          <a:schemeClr val="accent1"/>
+                        </a:solidFill>
+                      </a:endParaRPr>
+                    </a:p>
+                  </a:txBody>
+                  <a:tcPr/>
+                </a:tc>
+                <a:tc>
+                  <a:txBody>
+                    <a:bodyPr/>
+                    <a:lstStyle/>
+                    <a:p>
+                      <a:r>
+                        <a:rPr lang="nb-NO" sz="2000" dirty="0"/>
+                        <a:t>Verdi endrer seg</a:t>
+                      </a:r>
+                    </a:p>
+                  </a:txBody>
+                  <a:tcPr/>
+                </a:tc>
+                <a:extLst>
+                  <a:ext uri="{0D108BD9-81ED-4DB2-BD59-A6C34878D82A}">
+                    <a16:rowId xmlns:a16="http://schemas.microsoft.com/office/drawing/2014/main" val="1187511101"/>
+                  </a:ext>
+                </a:extLst>
+              </a:tr>
+              <a:tr h="370840">
+                <a:tc>
+                  <a:txBody>
+                    <a:bodyPr/>
+                    <a:lstStyle/>
+                    <a:p>
+                      <a:r>
+                        <a:rPr lang="nb-NO" sz="2000" i="1" dirty="0" err="1">
+                          <a:solidFill>
+                            <a:schemeClr val="accent1"/>
+                          </a:solidFill>
+                        </a:rPr>
+                        <a:t>onclick</a:t>
+                      </a:r>
+                      <a:r>
+                        <a:rPr lang="nb-NO" sz="2000" i="1" dirty="0">
+                          <a:solidFill>
+                            <a:schemeClr val="accent1"/>
+                          </a:solidFill>
+                        </a:rPr>
+                        <a:t> </a:t>
+                      </a:r>
+                    </a:p>
+                  </a:txBody>
+                  <a:tcPr/>
+                </a:tc>
+                <a:tc>
+                  <a:txBody>
+                    <a:bodyPr/>
+                    <a:lstStyle/>
+                    <a:p>
+                      <a:r>
+                        <a:rPr lang="nb-NO" sz="2000" dirty="0"/>
+                        <a:t>Klikk </a:t>
+                      </a:r>
+                    </a:p>
+                  </a:txBody>
+                  <a:tcPr/>
+                </a:tc>
+                <a:extLst>
+                  <a:ext uri="{0D108BD9-81ED-4DB2-BD59-A6C34878D82A}">
+                    <a16:rowId xmlns:a16="http://schemas.microsoft.com/office/drawing/2014/main" val="3566922740"/>
+                  </a:ext>
+                </a:extLst>
+              </a:tr>
+              <a:tr h="370840">
+                <a:tc>
+                  <a:txBody>
+                    <a:bodyPr/>
+                    <a:lstStyle/>
+                    <a:p>
+                      <a:r>
+                        <a:rPr lang="nb-NO" sz="2000" i="1" dirty="0" err="1">
+                          <a:solidFill>
+                            <a:schemeClr val="accent1"/>
+                          </a:solidFill>
+                        </a:rPr>
+                        <a:t>oninput</a:t>
+                      </a:r>
+                      <a:endParaRPr lang="nb-NO" sz="2000" i="1" dirty="0">
+                        <a:solidFill>
+                          <a:schemeClr val="accent1"/>
+                        </a:solidFill>
+                      </a:endParaRPr>
+                    </a:p>
+                  </a:txBody>
+                  <a:tcPr/>
+                </a:tc>
+                <a:tc>
+                  <a:txBody>
+                    <a:bodyPr/>
+                    <a:lstStyle/>
+                    <a:p>
+                      <a:r>
+                        <a:rPr lang="nb-NO" sz="2000" dirty="0"/>
+                        <a:t>Endre verdi i input-felt</a:t>
+                      </a:r>
+                    </a:p>
+                  </a:txBody>
+                  <a:tcPr/>
+                </a:tc>
+                <a:extLst>
+                  <a:ext uri="{0D108BD9-81ED-4DB2-BD59-A6C34878D82A}">
+                    <a16:rowId xmlns:a16="http://schemas.microsoft.com/office/drawing/2014/main" val="2579392028"/>
+                  </a:ext>
+                </a:extLst>
+              </a:tr>
+              <a:tr h="370840">
+                <a:tc>
+                  <a:txBody>
+                    <a:bodyPr/>
+                    <a:lstStyle/>
+                    <a:p>
+                      <a:r>
+                        <a:rPr lang="nb-NO" sz="2000" i="1" dirty="0" err="1">
+                          <a:solidFill>
+                            <a:schemeClr val="accent1"/>
+                          </a:solidFill>
+                        </a:rPr>
+                        <a:t>onkeydown</a:t>
+                      </a:r>
+                      <a:endParaRPr lang="nb-NO" sz="2000" i="1" dirty="0">
+                        <a:solidFill>
+                          <a:schemeClr val="accent1"/>
+                        </a:solidFill>
+                      </a:endParaRPr>
+                    </a:p>
+                  </a:txBody>
+                  <a:tcPr/>
+                </a:tc>
+                <a:tc>
+                  <a:txBody>
+                    <a:bodyPr/>
+                    <a:lstStyle/>
+                    <a:p>
+                      <a:r>
+                        <a:rPr lang="nb-NO" sz="2000" dirty="0"/>
+                        <a:t>Trykke ned tast</a:t>
+                      </a:r>
+                    </a:p>
+                  </a:txBody>
+                  <a:tcPr/>
+                </a:tc>
+                <a:extLst>
+                  <a:ext uri="{0D108BD9-81ED-4DB2-BD59-A6C34878D82A}">
+                    <a16:rowId xmlns:a16="http://schemas.microsoft.com/office/drawing/2014/main" val="2080656932"/>
+                  </a:ext>
+                </a:extLst>
+              </a:tr>
+              <a:tr h="370840">
+                <a:tc>
+                  <a:txBody>
+                    <a:bodyPr/>
+                    <a:lstStyle/>
+                    <a:p>
+                      <a:r>
+                        <a:rPr lang="nb-NO" sz="2000" i="1" dirty="0" err="1">
+                          <a:solidFill>
+                            <a:schemeClr val="accent1"/>
+                          </a:solidFill>
+                        </a:rPr>
+                        <a:t>onkeyup</a:t>
+                      </a:r>
+                      <a:endParaRPr lang="nb-NO" sz="2000" i="1" dirty="0">
+                        <a:solidFill>
+                          <a:schemeClr val="accent1"/>
+                        </a:solidFill>
+                      </a:endParaRPr>
+                    </a:p>
+                  </a:txBody>
+                  <a:tcPr/>
+                </a:tc>
+                <a:tc>
+                  <a:txBody>
+                    <a:bodyPr/>
+                    <a:lstStyle/>
+                    <a:p>
+                      <a:r>
+                        <a:rPr lang="nb-NO" sz="2000" dirty="0"/>
+                        <a:t>Slippe en tast</a:t>
+                      </a:r>
+                    </a:p>
+                  </a:txBody>
+                  <a:tcPr/>
+                </a:tc>
+                <a:extLst>
+                  <a:ext uri="{0D108BD9-81ED-4DB2-BD59-A6C34878D82A}">
+                    <a16:rowId xmlns:a16="http://schemas.microsoft.com/office/drawing/2014/main" val="2593526115"/>
+                  </a:ext>
+                </a:extLst>
+              </a:tr>
+              <a:tr h="370840">
+                <a:tc>
+                  <a:txBody>
+                    <a:bodyPr/>
+                    <a:lstStyle/>
+                    <a:p>
+                      <a:r>
+                        <a:rPr lang="nb-NO" sz="2000" i="1" dirty="0" err="1">
+                          <a:solidFill>
+                            <a:schemeClr val="accent1"/>
+                          </a:solidFill>
+                        </a:rPr>
+                        <a:t>onload</a:t>
+                      </a:r>
+                      <a:endParaRPr lang="nb-NO" sz="2000" i="1" dirty="0">
+                        <a:solidFill>
+                          <a:schemeClr val="accent1"/>
+                        </a:solidFill>
+                      </a:endParaRPr>
+                    </a:p>
+                  </a:txBody>
+                  <a:tcPr/>
+                </a:tc>
+                <a:tc>
+                  <a:txBody>
+                    <a:bodyPr/>
+                    <a:lstStyle/>
+                    <a:p>
+                      <a:r>
+                        <a:rPr lang="nb-NO" sz="2000" dirty="0"/>
+                        <a:t>Nettsiden lastes inn</a:t>
+                      </a:r>
+                    </a:p>
+                  </a:txBody>
+                  <a:tcPr/>
+                </a:tc>
+                <a:extLst>
+                  <a:ext uri="{0D108BD9-81ED-4DB2-BD59-A6C34878D82A}">
+                    <a16:rowId xmlns:a16="http://schemas.microsoft.com/office/drawing/2014/main" val="2313060128"/>
+                  </a:ext>
+                </a:extLst>
+              </a:tr>
+              <a:tr h="370840">
+                <a:tc>
+                  <a:txBody>
+                    <a:bodyPr/>
+                    <a:lstStyle/>
+                    <a:p>
+                      <a:r>
+                        <a:rPr lang="nb-NO" sz="2000" i="1" dirty="0" err="1">
+                          <a:solidFill>
+                            <a:schemeClr val="accent1"/>
+                          </a:solidFill>
+                        </a:rPr>
+                        <a:t>onmousemove</a:t>
+                      </a:r>
+                      <a:endParaRPr lang="nb-NO" sz="2000" i="1" dirty="0">
+                        <a:solidFill>
+                          <a:schemeClr val="accent1"/>
+                        </a:solidFill>
+                      </a:endParaRPr>
+                    </a:p>
+                  </a:txBody>
+                  <a:tcPr/>
+                </a:tc>
+                <a:tc>
+                  <a:txBody>
+                    <a:bodyPr/>
+                    <a:lstStyle/>
+                    <a:p>
+                      <a:r>
+                        <a:rPr lang="nb-NO" sz="2000" dirty="0"/>
+                        <a:t>Bevege </a:t>
+                      </a:r>
+                      <a:r>
+                        <a:rPr lang="nb-NO" sz="2000" dirty="0" err="1"/>
+                        <a:t>musemarkør</a:t>
+                      </a:r>
+                      <a:endParaRPr lang="nb-NO" sz="2000" dirty="0"/>
+                    </a:p>
+                  </a:txBody>
+                  <a:tcPr/>
+                </a:tc>
+                <a:extLst>
+                  <a:ext uri="{0D108BD9-81ED-4DB2-BD59-A6C34878D82A}">
+                    <a16:rowId xmlns:a16="http://schemas.microsoft.com/office/drawing/2014/main" val="4085449964"/>
+                  </a:ext>
+                </a:extLst>
+              </a:tr>
+              <a:tr h="370840">
+                <a:tc>
+                  <a:txBody>
+                    <a:bodyPr/>
+                    <a:lstStyle/>
+                    <a:p>
+                      <a:r>
+                        <a:rPr lang="nb-NO" sz="2000" i="1" dirty="0" err="1">
+                          <a:solidFill>
+                            <a:schemeClr val="accent1"/>
+                          </a:solidFill>
+                        </a:rPr>
+                        <a:t>onmouseout</a:t>
+                      </a:r>
+                      <a:endParaRPr lang="nb-NO" sz="2000" i="1" dirty="0">
+                        <a:solidFill>
+                          <a:schemeClr val="accent1"/>
+                        </a:solidFill>
+                      </a:endParaRPr>
+                    </a:p>
+                  </a:txBody>
+                  <a:tcPr/>
+                </a:tc>
+                <a:tc>
+                  <a:txBody>
+                    <a:bodyPr/>
+                    <a:lstStyle/>
+                    <a:p>
+                      <a:r>
+                        <a:rPr lang="nb-NO" sz="2000" dirty="0" err="1"/>
+                        <a:t>Musemarkøren</a:t>
+                      </a:r>
+                      <a:r>
+                        <a:rPr lang="nb-NO" sz="2000" dirty="0"/>
+                        <a:t> fjernes</a:t>
+                      </a:r>
+                    </a:p>
+                  </a:txBody>
+                  <a:tcPr/>
+                </a:tc>
+                <a:extLst>
+                  <a:ext uri="{0D108BD9-81ED-4DB2-BD59-A6C34878D82A}">
+                    <a16:rowId xmlns:a16="http://schemas.microsoft.com/office/drawing/2014/main" val="1558981726"/>
+                  </a:ext>
+                </a:extLst>
+              </a:tr>
+              <a:tr h="370840">
+                <a:tc>
+                  <a:txBody>
+                    <a:bodyPr/>
+                    <a:lstStyle/>
+                    <a:p>
+                      <a:r>
+                        <a:rPr lang="nb-NO" sz="2000" i="1" dirty="0" err="1">
+                          <a:solidFill>
+                            <a:schemeClr val="accent1"/>
+                          </a:solidFill>
+                        </a:rPr>
+                        <a:t>onmouseover</a:t>
+                      </a:r>
+                      <a:endParaRPr lang="nb-NO" sz="2000" i="1" dirty="0">
+                        <a:solidFill>
+                          <a:schemeClr val="accent1"/>
+                        </a:solidFill>
+                      </a:endParaRPr>
+                    </a:p>
+                  </a:txBody>
+                  <a:tcPr/>
+                </a:tc>
+                <a:tc>
+                  <a:txBody>
+                    <a:bodyPr/>
+                    <a:lstStyle/>
+                    <a:p>
+                      <a:r>
+                        <a:rPr lang="nb-NO" sz="2000" dirty="0" err="1"/>
+                        <a:t>Musemarkøren</a:t>
+                      </a:r>
+                      <a:r>
+                        <a:rPr lang="nb-NO" sz="2000" dirty="0"/>
+                        <a:t> over</a:t>
+                      </a:r>
+                    </a:p>
+                  </a:txBody>
+                  <a:tcPr/>
+                </a:tc>
+                <a:extLst>
+                  <a:ext uri="{0D108BD9-81ED-4DB2-BD59-A6C34878D82A}">
+                    <a16:rowId xmlns:a16="http://schemas.microsoft.com/office/drawing/2014/main" val="2610917818"/>
+                  </a:ext>
+                </a:extLst>
+              </a:tr>
+              <a:tr h="370840">
+                <a:tc>
+                  <a:txBody>
+                    <a:bodyPr/>
+                    <a:lstStyle/>
+                    <a:p>
+                      <a:r>
+                        <a:rPr lang="nb-NO" sz="2000" i="1" dirty="0" err="1">
+                          <a:solidFill>
+                            <a:schemeClr val="accent1"/>
+                          </a:solidFill>
+                        </a:rPr>
+                        <a:t>onresize</a:t>
+                      </a:r>
+                      <a:endParaRPr lang="nb-NO" sz="2000" i="1" dirty="0">
+                        <a:solidFill>
+                          <a:schemeClr val="accent1"/>
+                        </a:solidFill>
+                      </a:endParaRPr>
+                    </a:p>
+                  </a:txBody>
+                  <a:tcPr/>
+                </a:tc>
+                <a:tc>
+                  <a:txBody>
+                    <a:bodyPr/>
+                    <a:lstStyle/>
+                    <a:p>
+                      <a:r>
+                        <a:rPr lang="nb-NO" sz="2000" dirty="0"/>
+                        <a:t>Endre størrelse på nettleseren</a:t>
+                      </a:r>
+                    </a:p>
+                  </a:txBody>
+                  <a:tcPr/>
+                </a:tc>
+                <a:extLst>
+                  <a:ext uri="{0D108BD9-81ED-4DB2-BD59-A6C34878D82A}">
+                    <a16:rowId xmlns:a16="http://schemas.microsoft.com/office/drawing/2014/main" val="3691113854"/>
+                  </a:ext>
+                </a:extLst>
+              </a:tr>
+              <a:tr h="370840">
+                <a:tc>
+                  <a:txBody>
+                    <a:bodyPr/>
+                    <a:lstStyle/>
+                    <a:p>
+                      <a:r>
+                        <a:rPr lang="nb-NO" sz="2000" i="1" dirty="0" err="1">
+                          <a:solidFill>
+                            <a:schemeClr val="accent1"/>
+                          </a:solidFill>
+                        </a:rPr>
+                        <a:t>onsubmit</a:t>
+                      </a:r>
+                      <a:endParaRPr lang="nb-NO" sz="2000" i="1" dirty="0">
+                        <a:solidFill>
+                          <a:schemeClr val="accent1"/>
+                        </a:solidFill>
+                      </a:endParaRPr>
+                    </a:p>
+                  </a:txBody>
+                  <a:tcPr/>
+                </a:tc>
+                <a:tc>
+                  <a:txBody>
+                    <a:bodyPr/>
+                    <a:lstStyle/>
+                    <a:p>
+                      <a:r>
+                        <a:rPr lang="nb-NO" sz="2000" dirty="0"/>
+                        <a:t>Sende inn skjema</a:t>
+                      </a:r>
+                    </a:p>
+                  </a:txBody>
+                  <a:tcPr/>
+                </a:tc>
+                <a:extLst>
+                  <a:ext uri="{0D108BD9-81ED-4DB2-BD59-A6C34878D82A}">
+                    <a16:rowId xmlns:a16="http://schemas.microsoft.com/office/drawing/2014/main" val="1972370889"/>
+                  </a:ext>
+                </a:extLst>
+              </a:tr>
+            </a:tbl>
+          </a:graphicData>
+        </a:graphic>
+      </p:graphicFrame>
     </p:spTree>
     <p:extLst>
       <p:ext uri="{BB962C8B-B14F-4D97-AF65-F5344CB8AC3E}">
-        <p14:creationId xmlns:p14="http://schemas.microsoft.com/office/powerpoint/2010/main" val="1508430605"/>
+        <p14:creationId xmlns:p14="http://schemas.microsoft.com/office/powerpoint/2010/main" val="3556574991"/>
       </p:ext>
     </p:extLst>
   </p:cSld>
@@ -7084,14 +8343,6 @@
 <file path=ppt/slides/slide5.xml><?xml version="1.0" encoding="utf-8"?>
 <p:sld xmlns:a="http://schemas.openxmlformats.org/drawingml/2006/main" xmlns:r="http://schemas.openxmlformats.org/officeDocument/2006/relationships" xmlns:p="http://schemas.openxmlformats.org/presentationml/2006/main">
   <p:cSld>
-    <p:bg>
-      <p:bgPr>
-        <a:solidFill>
-          <a:schemeClr val="bg1"/>
-        </a:solidFill>
-        <a:effectLst/>
-      </p:bgPr>
-    </p:bg>
     <p:spTree>
       <p:nvGrpSpPr>
         <p:cNvPr id="1" name=""/>
@@ -7108,75 +8359,10 @@
       </p:grpSpPr>
       <p:sp>
         <p:nvSpPr>
-          <p:cNvPr id="8" name="Rectangle 7">
-            <a:extLst>
-              <a:ext uri="{FF2B5EF4-FFF2-40B4-BE49-F238E27FC236}">
-                <a16:creationId xmlns:a16="http://schemas.microsoft.com/office/drawing/2014/main" id="{8D70B121-56F4-4848-B38B-182089D909FA}"/>
-              </a:ext>
-              <a:ext uri="{C183D7F6-B498-43B3-948B-1728B52AA6E4}">
-                <adec:decorative xmlns:adec="http://schemas.microsoft.com/office/drawing/2017/decorative" val="1"/>
-              </a:ext>
-            </a:extLst>
-          </p:cNvPr>
-          <p:cNvSpPr>
-            <a:spLocks noGrp="1" noRot="1" noChangeAspect="1" noMove="1" noResize="1" noEditPoints="1" noAdjustHandles="1" noChangeArrowheads="1" noChangeShapeType="1" noTextEdit="1"/>
-          </p:cNvSpPr>
-          <p:nvPr>
-            <p:extLst>
-              <p:ext uri="{386F3935-93C4-4BCD-93E2-E3B085C9AB24}">
-                <p16:designElem xmlns:p16="http://schemas.microsoft.com/office/powerpoint/2015/main" val="1"/>
-              </p:ext>
-            </p:extLst>
-          </p:nvPr>
-        </p:nvSpPr>
-        <p:spPr bwMode="ltGray">
-          <a:xfrm>
-            <a:off x="321564" y="320040"/>
-            <a:ext cx="11548872" cy="6217920"/>
-          </a:xfrm>
-          <a:prstGeom prst="rect">
-            <a:avLst/>
-          </a:prstGeom>
-          <a:solidFill>
-            <a:schemeClr val="tx1">
-              <a:alpha val="8000"/>
-            </a:schemeClr>
-          </a:solidFill>
-          <a:ln w="127000" cap="sq" cmpd="thinThick">
-            <a:noFill/>
-          </a:ln>
-        </p:spPr>
-        <p:style>
-          <a:lnRef idx="2">
-            <a:schemeClr val="accent1">
-              <a:shade val="50000"/>
-            </a:schemeClr>
-          </a:lnRef>
-          <a:fillRef idx="1">
-            <a:schemeClr val="accent1"/>
-          </a:fillRef>
-          <a:effectRef idx="0">
-            <a:schemeClr val="accent1"/>
-          </a:effectRef>
-          <a:fontRef idx="minor">
-            <a:schemeClr val="lt1"/>
-          </a:fontRef>
-        </p:style>
-        <p:txBody>
-          <a:bodyPr rtlCol="0" anchor="ctr"/>
-          <a:lstStyle/>
-          <a:p>
-            <a:pPr algn="ctr"/>
-            <a:endParaRPr lang="en-US"/>
-          </a:p>
-        </p:txBody>
-      </p:sp>
-      <p:sp>
-        <p:nvSpPr>
           <p:cNvPr id="2" name="Tittel 1">
             <a:extLst>
               <a:ext uri="{FF2B5EF4-FFF2-40B4-BE49-F238E27FC236}">
-                <a16:creationId xmlns:a16="http://schemas.microsoft.com/office/drawing/2014/main" id="{1638087D-88D2-4708-9CDA-D3198560896F}"/>
+                <a16:creationId xmlns:a16="http://schemas.microsoft.com/office/drawing/2014/main" id="{E60B3DA2-C90B-4737-9EC4-A29586BFD86F}"/>
               </a:ext>
             </a:extLst>
           </p:cNvPr>
@@ -7187,172 +8373,54 @@
             <p:ph type="title"/>
           </p:nvPr>
         </p:nvSpPr>
-        <p:spPr>
-          <a:xfrm>
-            <a:off x="838200" y="963877"/>
-            <a:ext cx="3494362" cy="4930246"/>
-          </a:xfrm>
-        </p:spPr>
+        <p:spPr/>
         <p:txBody>
-          <a:bodyPr>
-            <a:normAutofit/>
-          </a:bodyPr>
+          <a:bodyPr/>
           <a:lstStyle/>
           <a:p>
-            <a:pPr algn="r"/>
             <a:r>
-              <a:rPr lang="nb-NO" sz="3400">
-                <a:solidFill>
-                  <a:schemeClr val="accent1"/>
-                </a:solidFill>
-              </a:rPr>
-              <a:t>Tastaturhendelser</a:t>
+              <a:rPr lang="nb-NO" dirty="0"/>
+              <a:t>Eksempel 1 Velg en dør</a:t>
             </a:r>
           </a:p>
         </p:txBody>
       </p:sp>
-      <p:cxnSp>
-        <p:nvCxnSpPr>
-          <p:cNvPr id="10" name="Straight Connector 9">
+      <p:pic>
+        <p:nvPicPr>
+          <p:cNvPr id="4" name="Plassholder for innhold 3">
             <a:extLst>
               <a:ext uri="{FF2B5EF4-FFF2-40B4-BE49-F238E27FC236}">
-                <a16:creationId xmlns:a16="http://schemas.microsoft.com/office/drawing/2014/main" id="{2D72A2C9-F3CA-4216-8BAD-FA4C970C3C4E}"/>
-              </a:ext>
-              <a:ext uri="{C183D7F6-B498-43B3-948B-1728B52AA6E4}">
-                <adec:decorative xmlns:adec="http://schemas.microsoft.com/office/drawing/2017/decorative" val="1"/>
+                <a16:creationId xmlns:a16="http://schemas.microsoft.com/office/drawing/2014/main" id="{C72A11BB-D81A-476B-8F47-8BF153802D67}"/>
               </a:ext>
             </a:extLst>
           </p:cNvPr>
-          <p:cNvCxnSpPr>
-            <a:cxnSpLocks noGrp="1" noRot="1" noChangeAspect="1" noMove="1" noResize="1" noEditPoints="1" noAdjustHandles="1" noChangeArrowheads="1" noChangeShapeType="1"/>
-          </p:cNvCxnSpPr>
-          <p:nvPr>
-            <p:extLst>
-              <p:ext uri="{386F3935-93C4-4BCD-93E2-E3B085C9AB24}">
-                <p16:designElem xmlns:p16="http://schemas.microsoft.com/office/powerpoint/2015/main" val="1"/>
-              </p:ext>
-            </p:extLst>
-          </p:nvPr>
-        </p:nvCxnSpPr>
-        <p:spPr>
-          <a:xfrm>
-            <a:off x="4654296" y="2057400"/>
-            <a:ext cx="0" cy="2743200"/>
-          </a:xfrm>
-          <a:prstGeom prst="line">
-            <a:avLst/>
-          </a:prstGeom>
-          <a:ln w="19050">
-            <a:solidFill>
-              <a:schemeClr val="tx1">
-                <a:lumMod val="85000"/>
-                <a:lumOff val="15000"/>
-              </a:schemeClr>
-            </a:solidFill>
-          </a:ln>
-        </p:spPr>
-        <p:style>
-          <a:lnRef idx="1">
-            <a:schemeClr val="accent1"/>
-          </a:lnRef>
-          <a:fillRef idx="0">
-            <a:schemeClr val="accent1"/>
-          </a:fillRef>
-          <a:effectRef idx="0">
-            <a:schemeClr val="accent1"/>
-          </a:effectRef>
-          <a:fontRef idx="minor">
-            <a:schemeClr val="tx1"/>
-          </a:fontRef>
-        </p:style>
-      </p:cxnSp>
-      <p:sp>
-        <p:nvSpPr>
-          <p:cNvPr id="3" name="Plassholder for innhold 2">
-            <a:extLst>
-              <a:ext uri="{FF2B5EF4-FFF2-40B4-BE49-F238E27FC236}">
-                <a16:creationId xmlns:a16="http://schemas.microsoft.com/office/drawing/2014/main" id="{516287D3-A726-417B-A310-EDFA9FFB2B9A}"/>
-              </a:ext>
-            </a:extLst>
-          </p:cNvPr>
-          <p:cNvSpPr>
-            <a:spLocks noGrp="1"/>
-          </p:cNvSpPr>
+          <p:cNvPicPr>
+            <a:picLocks noGrp="1" noChangeAspect="1"/>
+          </p:cNvPicPr>
           <p:nvPr>
             <p:ph idx="1"/>
           </p:nvPr>
-        </p:nvSpPr>
+        </p:nvPicPr>
+        <p:blipFill>
+          <a:blip r:embed="rId2"/>
+          <a:stretch>
+            <a:fillRect/>
+          </a:stretch>
+        </p:blipFill>
         <p:spPr>
           <a:xfrm>
-            <a:off x="4976031" y="963877"/>
-            <a:ext cx="6377769" cy="4930246"/>
+            <a:off x="2185262" y="1905776"/>
+            <a:ext cx="7456702" cy="4587099"/>
           </a:xfrm>
+          <a:prstGeom prst="rect">
+            <a:avLst/>
+          </a:prstGeom>
         </p:spPr>
-        <p:txBody>
-          <a:bodyPr anchor="ctr">
-            <a:normAutofit/>
-          </a:bodyPr>
-          <a:lstStyle/>
-          <a:p>
-            <a:r>
-              <a:rPr lang="nb-NO" sz="2400" dirty="0"/>
-              <a:t>Vi kan bruke hendelser til å registrere når vi trykker på knappene på tastaturet</a:t>
-            </a:r>
-          </a:p>
-          <a:p>
-            <a:r>
-              <a:rPr lang="nb-NO" sz="2400" i="1" dirty="0" err="1"/>
-              <a:t>keydown</a:t>
-            </a:r>
-            <a:r>
-              <a:rPr lang="nb-NO" sz="2400" dirty="0"/>
-              <a:t> – en tast trykkes</a:t>
-            </a:r>
-          </a:p>
-          <a:p>
-            <a:r>
-              <a:rPr lang="nb-NO" sz="2400" i="1" dirty="0" err="1"/>
-              <a:t>keyup</a:t>
-            </a:r>
-            <a:r>
-              <a:rPr lang="nb-NO" sz="2400" dirty="0"/>
-              <a:t> – en tast slippes</a:t>
-            </a:r>
-          </a:p>
-          <a:p>
-            <a:r>
-              <a:rPr lang="nb-NO" sz="2400" i="1" dirty="0" err="1"/>
-              <a:t>keyCode</a:t>
-            </a:r>
-            <a:r>
-              <a:rPr lang="nb-NO" sz="2400" i="1" dirty="0"/>
-              <a:t>;</a:t>
-            </a:r>
-          </a:p>
-          <a:p>
-            <a:endParaRPr lang="nb-NO" sz="2400" i="1" dirty="0"/>
-          </a:p>
-          <a:p>
-            <a:pPr marL="0" indent="0">
-              <a:buNone/>
-            </a:pPr>
-            <a:endParaRPr lang="nb-NO" sz="2400" i="1" dirty="0"/>
-          </a:p>
-          <a:p>
-            <a:pPr marL="0" indent="0">
-              <a:buNone/>
-            </a:pPr>
-            <a:r>
-              <a:rPr lang="nb-NO" sz="2400" dirty="0"/>
-              <a:t>Eksempel Hvilket knapp trykket på?</a:t>
-            </a:r>
-          </a:p>
-        </p:txBody>
-      </p:sp>
+      </p:pic>
     </p:spTree>
     <p:extLst>
       <p:ext uri="{BB962C8B-B14F-4D97-AF65-F5344CB8AC3E}">
-        <p14:creationId xmlns:p14="http://schemas.microsoft.com/office/powerpoint/2010/main" val="1286105232"/>
+        <p14:creationId xmlns:p14="http://schemas.microsoft.com/office/powerpoint/2010/main" val="2271016223"/>
       </p:ext>
     </p:extLst>
   </p:cSld>
@@ -7363,6 +8431,330 @@
 </file>
 
 <file path=ppt/slides/slide6.xml><?xml version="1.0" encoding="utf-8"?>
+<p:sld xmlns:a="http://schemas.openxmlformats.org/drawingml/2006/main" xmlns:r="http://schemas.openxmlformats.org/officeDocument/2006/relationships" xmlns:p="http://schemas.openxmlformats.org/presentationml/2006/main">
+  <p:cSld>
+    <p:spTree>
+      <p:nvGrpSpPr>
+        <p:cNvPr id="1" name=""/>
+        <p:cNvGrpSpPr/>
+        <p:nvPr/>
+      </p:nvGrpSpPr>
+      <p:grpSpPr>
+        <a:xfrm>
+          <a:off x="0" y="0"/>
+          <a:ext cx="0" cy="0"/>
+          <a:chOff x="0" y="0"/>
+          <a:chExt cx="0" cy="0"/>
+        </a:xfrm>
+      </p:grpSpPr>
+      <p:sp>
+        <p:nvSpPr>
+          <p:cNvPr id="5" name="Tittel 4">
+            <a:extLst>
+              <a:ext uri="{FF2B5EF4-FFF2-40B4-BE49-F238E27FC236}">
+                <a16:creationId xmlns:a16="http://schemas.microsoft.com/office/drawing/2014/main" id="{44F4A83E-7CE9-44DF-A111-EF44544A9A2C}"/>
+              </a:ext>
+            </a:extLst>
+          </p:cNvPr>
+          <p:cNvSpPr>
+            <a:spLocks noGrp="1"/>
+          </p:cNvSpPr>
+          <p:nvPr>
+            <p:ph type="title"/>
+          </p:nvPr>
+        </p:nvSpPr>
+        <p:spPr/>
+        <p:txBody>
+          <a:bodyPr/>
+          <a:lstStyle/>
+          <a:p>
+            <a:r>
+              <a:rPr lang="en-US" dirty="0" err="1"/>
+              <a:t>Eksempel</a:t>
+            </a:r>
+            <a:r>
+              <a:rPr lang="en-US" dirty="0"/>
+              <a:t> 2 Vis </a:t>
+            </a:r>
+            <a:r>
+              <a:rPr lang="en-US" dirty="0" err="1"/>
+              <a:t>posisjonen</a:t>
+            </a:r>
+            <a:endParaRPr lang="nb-NO" dirty="0"/>
+          </a:p>
+        </p:txBody>
+      </p:sp>
+      <p:pic>
+        <p:nvPicPr>
+          <p:cNvPr id="11" name="Plassholder for innhold 10">
+            <a:extLst>
+              <a:ext uri="{FF2B5EF4-FFF2-40B4-BE49-F238E27FC236}">
+                <a16:creationId xmlns:a16="http://schemas.microsoft.com/office/drawing/2014/main" id="{522CB3FB-FEE7-4BDA-B49C-272B53285354}"/>
+              </a:ext>
+            </a:extLst>
+          </p:cNvPr>
+          <p:cNvPicPr>
+            <a:picLocks noGrp="1" noChangeAspect="1"/>
+          </p:cNvPicPr>
+          <p:nvPr>
+            <p:ph idx="1"/>
+          </p:nvPr>
+        </p:nvPicPr>
+        <p:blipFill>
+          <a:blip r:embed="rId2"/>
+          <a:stretch>
+            <a:fillRect/>
+          </a:stretch>
+        </p:blipFill>
+        <p:spPr>
+          <a:xfrm>
+            <a:off x="5180443" y="1028698"/>
+            <a:ext cx="7033918" cy="4840289"/>
+          </a:xfrm>
+          <a:prstGeom prst="rect">
+            <a:avLst/>
+          </a:prstGeom>
+        </p:spPr>
+      </p:pic>
+      <p:sp>
+        <p:nvSpPr>
+          <p:cNvPr id="14" name="Plassholder for tekst 13">
+            <a:extLst>
+              <a:ext uri="{FF2B5EF4-FFF2-40B4-BE49-F238E27FC236}">
+                <a16:creationId xmlns:a16="http://schemas.microsoft.com/office/drawing/2014/main" id="{F3A45DF3-A522-4823-9F87-397E3E597CAB}"/>
+              </a:ext>
+            </a:extLst>
+          </p:cNvPr>
+          <p:cNvSpPr>
+            <a:spLocks noGrp="1"/>
+          </p:cNvSpPr>
+          <p:nvPr>
+            <p:ph type="body" sz="half" idx="2"/>
+          </p:nvPr>
+        </p:nvSpPr>
+        <p:spPr/>
+        <p:txBody>
+          <a:bodyPr/>
+          <a:lstStyle/>
+          <a:p>
+            <a:endParaRPr lang="nb-NO"/>
+          </a:p>
+        </p:txBody>
+      </p:sp>
+      <p:pic>
+        <p:nvPicPr>
+          <p:cNvPr id="12" name="Plassholder for innhold 11">
+            <a:extLst>
+              <a:ext uri="{FF2B5EF4-FFF2-40B4-BE49-F238E27FC236}">
+                <a16:creationId xmlns:a16="http://schemas.microsoft.com/office/drawing/2014/main" id="{273098C5-617F-42B5-952B-0069AF8FB66F}"/>
+              </a:ext>
+            </a:extLst>
+          </p:cNvPr>
+          <p:cNvPicPr>
+            <a:picLocks noGrp="1" noChangeAspect="1"/>
+          </p:cNvPicPr>
+          <p:nvPr>
+            <p:ph sz="quarter" idx="4294967295"/>
+          </p:nvPr>
+        </p:nvPicPr>
+        <p:blipFill>
+          <a:blip r:embed="rId3"/>
+          <a:stretch>
+            <a:fillRect/>
+          </a:stretch>
+        </p:blipFill>
+        <p:spPr>
+          <a:xfrm>
+            <a:off x="1611824" y="2962274"/>
+            <a:ext cx="2033588" cy="923925"/>
+          </a:xfrm>
+          <a:prstGeom prst="rect">
+            <a:avLst/>
+          </a:prstGeom>
+        </p:spPr>
+      </p:pic>
+    </p:spTree>
+    <p:extLst>
+      <p:ext uri="{BB962C8B-B14F-4D97-AF65-F5344CB8AC3E}">
+        <p14:creationId xmlns:p14="http://schemas.microsoft.com/office/powerpoint/2010/main" val="2124460940"/>
+      </p:ext>
+    </p:extLst>
+  </p:cSld>
+  <p:clrMapOvr>
+    <a:masterClrMapping/>
+  </p:clrMapOvr>
+</p:sld>
+</file>
+
+<file path=ppt/slides/slide7.xml><?xml version="1.0" encoding="utf-8"?>
+<p:sld xmlns:a="http://schemas.openxmlformats.org/drawingml/2006/main" xmlns:r="http://schemas.openxmlformats.org/officeDocument/2006/relationships" xmlns:p="http://schemas.openxmlformats.org/presentationml/2006/main">
+  <p:cSld>
+    <p:spTree>
+      <p:nvGrpSpPr>
+        <p:cNvPr id="1" name=""/>
+        <p:cNvGrpSpPr/>
+        <p:nvPr/>
+      </p:nvGrpSpPr>
+      <p:grpSpPr>
+        <a:xfrm>
+          <a:off x="0" y="0"/>
+          <a:ext cx="0" cy="0"/>
+          <a:chOff x="0" y="0"/>
+          <a:chExt cx="0" cy="0"/>
+        </a:xfrm>
+      </p:grpSpPr>
+      <p:sp>
+        <p:nvSpPr>
+          <p:cNvPr id="2" name="Tittel 1">
+            <a:extLst>
+              <a:ext uri="{FF2B5EF4-FFF2-40B4-BE49-F238E27FC236}">
+                <a16:creationId xmlns:a16="http://schemas.microsoft.com/office/drawing/2014/main" id="{14EB48B4-A7C1-4162-8746-8DB90FEB459E}"/>
+              </a:ext>
+            </a:extLst>
+          </p:cNvPr>
+          <p:cNvSpPr>
+            <a:spLocks noGrp="1"/>
+          </p:cNvSpPr>
+          <p:nvPr>
+            <p:ph type="title"/>
+          </p:nvPr>
+        </p:nvSpPr>
+        <p:spPr/>
+        <p:txBody>
+          <a:bodyPr/>
+          <a:lstStyle/>
+          <a:p>
+            <a:r>
+              <a:rPr lang="nb-NO" dirty="0"/>
+              <a:t>Eksempel 3 Hvilket knapp trykket på?</a:t>
+            </a:r>
+          </a:p>
+        </p:txBody>
+      </p:sp>
+      <p:pic>
+        <p:nvPicPr>
+          <p:cNvPr id="10" name="Bilde 9">
+            <a:extLst>
+              <a:ext uri="{FF2B5EF4-FFF2-40B4-BE49-F238E27FC236}">
+                <a16:creationId xmlns:a16="http://schemas.microsoft.com/office/drawing/2014/main" id="{01E20653-20DA-46D2-B5A0-2D1C6BF54F51}"/>
+              </a:ext>
+            </a:extLst>
+          </p:cNvPr>
+          <p:cNvPicPr>
+            <a:picLocks noChangeAspect="1"/>
+          </p:cNvPicPr>
+          <p:nvPr/>
+        </p:nvPicPr>
+        <p:blipFill>
+          <a:blip r:embed="rId2"/>
+          <a:stretch>
+            <a:fillRect/>
+          </a:stretch>
+        </p:blipFill>
+        <p:spPr>
+          <a:xfrm>
+            <a:off x="1320006" y="3081337"/>
+            <a:ext cx="2971800" cy="685800"/>
+          </a:xfrm>
+          <a:prstGeom prst="rect">
+            <a:avLst/>
+          </a:prstGeom>
+        </p:spPr>
+      </p:pic>
+      <p:sp>
+        <p:nvSpPr>
+          <p:cNvPr id="9" name="Plassholder for tekst 8">
+            <a:extLst>
+              <a:ext uri="{FF2B5EF4-FFF2-40B4-BE49-F238E27FC236}">
+                <a16:creationId xmlns:a16="http://schemas.microsoft.com/office/drawing/2014/main" id="{D73EB449-0072-4845-B393-ACCDAFB4ADC2}"/>
+              </a:ext>
+            </a:extLst>
+          </p:cNvPr>
+          <p:cNvSpPr>
+            <a:spLocks noGrp="1"/>
+          </p:cNvSpPr>
+          <p:nvPr>
+            <p:ph type="body" sz="half" idx="2"/>
+          </p:nvPr>
+        </p:nvSpPr>
+        <p:spPr/>
+        <p:txBody>
+          <a:bodyPr/>
+          <a:lstStyle/>
+          <a:p>
+            <a:endParaRPr lang="nb-NO" dirty="0"/>
+          </a:p>
+        </p:txBody>
+      </p:sp>
+      <p:sp>
+        <p:nvSpPr>
+          <p:cNvPr id="4" name="Plassholder for innhold 3">
+            <a:extLst>
+              <a:ext uri="{FF2B5EF4-FFF2-40B4-BE49-F238E27FC236}">
+                <a16:creationId xmlns:a16="http://schemas.microsoft.com/office/drawing/2014/main" id="{6B2F38DE-0DFD-4424-88DE-FB5324908379}"/>
+              </a:ext>
+            </a:extLst>
+          </p:cNvPr>
+          <p:cNvSpPr>
+            <a:spLocks noGrp="1"/>
+          </p:cNvSpPr>
+          <p:nvPr>
+            <p:ph idx="1"/>
+          </p:nvPr>
+        </p:nvSpPr>
+        <p:spPr/>
+        <p:txBody>
+          <a:bodyPr/>
+          <a:lstStyle/>
+          <a:p>
+            <a:endParaRPr lang="nb-NO"/>
+          </a:p>
+        </p:txBody>
+      </p:sp>
+      <p:pic>
+        <p:nvPicPr>
+          <p:cNvPr id="5" name="Bilde 4">
+            <a:extLst>
+              <a:ext uri="{FF2B5EF4-FFF2-40B4-BE49-F238E27FC236}">
+                <a16:creationId xmlns:a16="http://schemas.microsoft.com/office/drawing/2014/main" id="{40BCDC06-A964-49A8-B9D7-1007F20A5D41}"/>
+              </a:ext>
+            </a:extLst>
+          </p:cNvPr>
+          <p:cNvPicPr>
+            <a:picLocks noChangeAspect="1"/>
+          </p:cNvPicPr>
+          <p:nvPr/>
+        </p:nvPicPr>
+        <p:blipFill>
+          <a:blip r:embed="rId3"/>
+          <a:stretch>
+            <a:fillRect/>
+          </a:stretch>
+        </p:blipFill>
+        <p:spPr>
+          <a:xfrm>
+            <a:off x="4981709" y="232025"/>
+            <a:ext cx="6781505" cy="6501090"/>
+          </a:xfrm>
+          <a:prstGeom prst="rect">
+            <a:avLst/>
+          </a:prstGeom>
+        </p:spPr>
+      </p:pic>
+    </p:spTree>
+    <p:extLst>
+      <p:ext uri="{BB962C8B-B14F-4D97-AF65-F5344CB8AC3E}">
+        <p14:creationId xmlns:p14="http://schemas.microsoft.com/office/powerpoint/2010/main" val="3048713044"/>
+      </p:ext>
+    </p:extLst>
+  </p:cSld>
+  <p:clrMapOvr>
+    <a:masterClrMapping/>
+  </p:clrMapOvr>
+</p:sld>
+</file>
+
+<file path=ppt/slides/slide8.xml><?xml version="1.0" encoding="utf-8"?>
 <p:sld xmlns:a="http://schemas.openxmlformats.org/drawingml/2006/main" xmlns:r="http://schemas.openxmlformats.org/officeDocument/2006/relationships" xmlns:p="http://schemas.openxmlformats.org/presentationml/2006/main">
   <p:cSld>
     <p:bg>
@@ -8438,458 +9830,7 @@
 </p:sld>
 </file>
 
-<file path=ppt/slides/slide7.xml><?xml version="1.0" encoding="utf-8"?>
-<p:sld xmlns:a="http://schemas.openxmlformats.org/drawingml/2006/main" xmlns:r="http://schemas.openxmlformats.org/officeDocument/2006/relationships" xmlns:p="http://schemas.openxmlformats.org/presentationml/2006/main">
-  <p:cSld>
-    <p:bg>
-      <p:bgPr>
-        <a:solidFill>
-          <a:schemeClr val="bg1"/>
-        </a:solidFill>
-        <a:effectLst/>
-      </p:bgPr>
-    </p:bg>
-    <p:spTree>
-      <p:nvGrpSpPr>
-        <p:cNvPr id="1" name=""/>
-        <p:cNvGrpSpPr/>
-        <p:nvPr/>
-      </p:nvGrpSpPr>
-      <p:grpSpPr>
-        <a:xfrm>
-          <a:off x="0" y="0"/>
-          <a:ext cx="0" cy="0"/>
-          <a:chOff x="0" y="0"/>
-          <a:chExt cx="0" cy="0"/>
-        </a:xfrm>
-      </p:grpSpPr>
-      <p:sp>
-        <p:nvSpPr>
-          <p:cNvPr id="2" name="Tittel 1">
-            <a:extLst>
-              <a:ext uri="{FF2B5EF4-FFF2-40B4-BE49-F238E27FC236}">
-                <a16:creationId xmlns:a16="http://schemas.microsoft.com/office/drawing/2014/main" id="{6C258664-2E00-47EE-9D9F-B4CFE32374AE}"/>
-              </a:ext>
-            </a:extLst>
-          </p:cNvPr>
-          <p:cNvSpPr>
-            <a:spLocks noGrp="1"/>
-          </p:cNvSpPr>
-          <p:nvPr>
-            <p:ph type="title"/>
-          </p:nvPr>
-        </p:nvSpPr>
-        <p:spPr>
-          <a:xfrm>
-            <a:off x="870204" y="606564"/>
-            <a:ext cx="10451592" cy="1325563"/>
-          </a:xfrm>
-        </p:spPr>
-        <p:txBody>
-          <a:bodyPr anchor="ctr">
-            <a:normAutofit/>
-          </a:bodyPr>
-          <a:lstStyle/>
-          <a:p>
-            <a:r>
-              <a:rPr lang="nb-NO" dirty="0"/>
-              <a:t>Hendelser for brukerinput</a:t>
-            </a:r>
-          </a:p>
-        </p:txBody>
-      </p:sp>
-      <p:sp>
-        <p:nvSpPr>
-          <p:cNvPr id="9" name="Rectangle 8">
-            <a:extLst>
-              <a:ext uri="{FF2B5EF4-FFF2-40B4-BE49-F238E27FC236}">
-                <a16:creationId xmlns:a16="http://schemas.microsoft.com/office/drawing/2014/main" id="{A5711A0E-A428-4ED1-96CB-33D69FD842E4}"/>
-              </a:ext>
-              <a:ext uri="{C183D7F6-B498-43B3-948B-1728B52AA6E4}">
-                <adec:decorative xmlns:adec="http://schemas.microsoft.com/office/drawing/2017/decorative" val="1"/>
-              </a:ext>
-            </a:extLst>
-          </p:cNvPr>
-          <p:cNvSpPr>
-            <a:spLocks noGrp="1" noRot="1" noChangeAspect="1" noMove="1" noResize="1" noEditPoints="1" noAdjustHandles="1" noChangeArrowheads="1" noChangeShapeType="1" noTextEdit="1"/>
-          </p:cNvSpPr>
-          <p:nvPr>
-            <p:extLst>
-              <p:ext uri="{386F3935-93C4-4BCD-93E2-E3B085C9AB24}">
-                <p16:designElem xmlns:p16="http://schemas.microsoft.com/office/powerpoint/2015/main" val="1"/>
-              </p:ext>
-            </p:extLst>
-          </p:nvPr>
-        </p:nvSpPr>
-        <p:spPr>
-          <a:xfrm>
-            <a:off x="1000874" y="2043803"/>
-            <a:ext cx="10190252" cy="80683"/>
-          </a:xfrm>
-          <a:prstGeom prst="rect">
-            <a:avLst/>
-          </a:prstGeom>
-          <a:solidFill>
-            <a:schemeClr val="tx1">
-              <a:lumMod val="50000"/>
-              <a:lumOff val="50000"/>
-              <a:alpha val="65000"/>
-            </a:schemeClr>
-          </a:solidFill>
-          <a:ln>
-            <a:noFill/>
-          </a:ln>
-        </p:spPr>
-        <p:style>
-          <a:lnRef idx="2">
-            <a:schemeClr val="accent1">
-              <a:shade val="50000"/>
-            </a:schemeClr>
-          </a:lnRef>
-          <a:fillRef idx="1">
-            <a:schemeClr val="accent1"/>
-          </a:fillRef>
-          <a:effectRef idx="0">
-            <a:schemeClr val="accent1"/>
-          </a:effectRef>
-          <a:fontRef idx="minor">
-            <a:schemeClr val="lt1"/>
-          </a:fontRef>
-        </p:style>
-        <p:txBody>
-          <a:bodyPr rtlCol="0" anchor="ctr"/>
-          <a:lstStyle/>
-          <a:p>
-            <a:pPr marL="0" marR="0" lvl="0" indent="0" algn="ctr" defTabSz="457200" rtl="0" eaLnBrk="1" fontAlgn="auto" latinLnBrk="0" hangingPunct="1">
-              <a:lnSpc>
-                <a:spcPct val="100000"/>
-              </a:lnSpc>
-              <a:spcBef>
-                <a:spcPts val="0"/>
-              </a:spcBef>
-              <a:spcAft>
-                <a:spcPts val="0"/>
-              </a:spcAft>
-              <a:buClrTx/>
-              <a:buSzTx/>
-              <a:buFontTx/>
-              <a:buNone/>
-              <a:tabLst/>
-              <a:defRPr/>
-            </a:pPr>
-            <a:endParaRPr kumimoji="0" lang="en-US" sz="1800" b="0" i="0" u="none" strike="noStrike" kern="1200" cap="none" spc="0" normalizeH="0" baseline="0" noProof="0">
-              <a:ln>
-                <a:noFill/>
-              </a:ln>
-              <a:solidFill>
-                <a:prstClr val="white"/>
-              </a:solidFill>
-              <a:effectLst/>
-              <a:uLnTx/>
-              <a:uFillTx/>
-              <a:latin typeface="Calibri" panose="020F0502020204030204"/>
-              <a:ea typeface="+mn-ea"/>
-              <a:cs typeface="+mn-cs"/>
-            </a:endParaRPr>
-          </a:p>
-        </p:txBody>
-      </p:sp>
-      <p:graphicFrame>
-        <p:nvGraphicFramePr>
-          <p:cNvPr id="4" name="Plassholder for innhold 3">
-            <a:extLst>
-              <a:ext uri="{FF2B5EF4-FFF2-40B4-BE49-F238E27FC236}">
-                <a16:creationId xmlns:a16="http://schemas.microsoft.com/office/drawing/2014/main" id="{BAEC83E7-299B-4C96-B602-30483B559643}"/>
-              </a:ext>
-            </a:extLst>
-          </p:cNvPr>
-          <p:cNvGraphicFramePr>
-            <a:graphicFrameLocks noGrp="1"/>
-          </p:cNvGraphicFramePr>
-          <p:nvPr>
-            <p:ph idx="1"/>
-            <p:extLst>
-              <p:ext uri="{D42A27DB-BD31-4B8C-83A1-F6EECF244321}">
-                <p14:modId xmlns:p14="http://schemas.microsoft.com/office/powerpoint/2010/main" val="1865724936"/>
-              </p:ext>
-            </p:extLst>
-          </p:nvPr>
-        </p:nvGraphicFramePr>
-        <p:xfrm>
-          <a:off x="1218433" y="2568204"/>
-          <a:ext cx="9755135" cy="3922776"/>
-        </p:xfrm>
-        <a:graphic>
-          <a:graphicData uri="http://schemas.openxmlformats.org/drawingml/2006/table">
-            <a:tbl>
-              <a:tblPr firstRow="1" bandRow="1">
-                <a:tableStyleId>{5C22544A-7EE6-4342-B048-85BDC9FD1C3A}</a:tableStyleId>
-              </a:tblPr>
-              <a:tblGrid>
-                <a:gridCol w="2565776">
-                  <a:extLst>
-                    <a:ext uri="{9D8B030D-6E8A-4147-A177-3AD203B41FA5}">
-                      <a16:colId xmlns:a16="http://schemas.microsoft.com/office/drawing/2014/main" val="2558845661"/>
-                    </a:ext>
-                  </a:extLst>
-                </a:gridCol>
-                <a:gridCol w="7189359">
-                  <a:extLst>
-                    <a:ext uri="{9D8B030D-6E8A-4147-A177-3AD203B41FA5}">
-                      <a16:colId xmlns:a16="http://schemas.microsoft.com/office/drawing/2014/main" val="541185820"/>
-                    </a:ext>
-                  </a:extLst>
-                </a:gridCol>
-              </a:tblGrid>
-              <a:tr h="737616">
-                <a:tc>
-                  <a:txBody>
-                    <a:bodyPr/>
-                    <a:lstStyle/>
-                    <a:p>
-                      <a:r>
-                        <a:rPr lang="nb-NO" sz="3300"/>
-                        <a:t>Hendelse</a:t>
-                      </a:r>
-                    </a:p>
-                  </a:txBody>
-                  <a:tcPr marL="167640" marR="167640" marT="83820" marB="83820"/>
-                </a:tc>
-                <a:tc>
-                  <a:txBody>
-                    <a:bodyPr/>
-                    <a:lstStyle/>
-                    <a:p>
-                      <a:r>
-                        <a:rPr lang="nb-NO" sz="3300"/>
-                        <a:t>Fyres av </a:t>
-                      </a:r>
-                    </a:p>
-                  </a:txBody>
-                  <a:tcPr marL="167640" marR="167640" marT="83820" marB="83820"/>
-                </a:tc>
-                <a:extLst>
-                  <a:ext uri="{0D108BD9-81ED-4DB2-BD59-A6C34878D82A}">
-                    <a16:rowId xmlns:a16="http://schemas.microsoft.com/office/drawing/2014/main" val="1858374307"/>
-                  </a:ext>
-                </a:extLst>
-              </a:tr>
-              <a:tr h="838200">
-                <a:tc>
-                  <a:txBody>
-                    <a:bodyPr/>
-                    <a:lstStyle/>
-                    <a:p>
-                      <a:r>
-                        <a:rPr lang="nb-NO" sz="3300" dirty="0"/>
-                        <a:t>input</a:t>
-                      </a:r>
-                    </a:p>
-                  </a:txBody>
-                  <a:tcPr marL="167640" marR="167640" marT="83820" marB="83820"/>
-                </a:tc>
-                <a:tc>
-                  <a:txBody>
-                    <a:bodyPr/>
-                    <a:lstStyle/>
-                    <a:p>
-                      <a:r>
-                        <a:rPr lang="nb-NO" sz="3300" dirty="0"/>
-                        <a:t>etter endring i </a:t>
-                      </a:r>
-                      <a:r>
-                        <a:rPr lang="nb-NO" sz="3300" dirty="0">
-                          <a:solidFill>
-                            <a:schemeClr val="accent1"/>
-                          </a:solidFill>
-                        </a:rPr>
-                        <a:t>&lt;input&gt; </a:t>
-                      </a:r>
-                      <a:r>
-                        <a:rPr lang="nb-NO" sz="3300" dirty="0"/>
-                        <a:t>eller </a:t>
-                      </a:r>
-                      <a:r>
-                        <a:rPr lang="nb-NO" sz="3300" dirty="0">
-                          <a:solidFill>
-                            <a:schemeClr val="accent1"/>
-                          </a:solidFill>
-                        </a:rPr>
-                        <a:t>&lt;</a:t>
-                      </a:r>
-                      <a:r>
-                        <a:rPr lang="nb-NO" sz="3300" dirty="0" err="1">
-                          <a:solidFill>
-                            <a:schemeClr val="accent1"/>
-                          </a:solidFill>
-                        </a:rPr>
-                        <a:t>textarea</a:t>
-                      </a:r>
-                      <a:r>
-                        <a:rPr lang="nb-NO" sz="3300" dirty="0">
-                          <a:solidFill>
-                            <a:schemeClr val="accent1"/>
-                          </a:solidFill>
-                        </a:rPr>
-                        <a:t>&gt;</a:t>
-                      </a:r>
-                    </a:p>
-                  </a:txBody>
-                  <a:tcPr marL="167640" marR="167640" marT="83820" marB="83820"/>
-                </a:tc>
-                <a:extLst>
-                  <a:ext uri="{0D108BD9-81ED-4DB2-BD59-A6C34878D82A}">
-                    <a16:rowId xmlns:a16="http://schemas.microsoft.com/office/drawing/2014/main" val="1963899986"/>
-                  </a:ext>
-                </a:extLst>
-              </a:tr>
-              <a:tr h="838200">
-                <a:tc>
-                  <a:txBody>
-                    <a:bodyPr/>
-                    <a:lstStyle/>
-                    <a:p>
-                      <a:r>
-                        <a:rPr lang="nb-NO" sz="3300" dirty="0" err="1"/>
-                        <a:t>change</a:t>
-                      </a:r>
-                      <a:endParaRPr lang="nb-NO" sz="3300" dirty="0"/>
-                    </a:p>
-                  </a:txBody>
-                  <a:tcPr marL="167640" marR="167640" marT="83820" marB="83820"/>
-                </a:tc>
-                <a:tc>
-                  <a:txBody>
-                    <a:bodyPr/>
-                    <a:lstStyle/>
-                    <a:p>
-                      <a:r>
-                        <a:rPr lang="nb-NO" sz="3300" dirty="0"/>
-                        <a:t>ved endring i </a:t>
-                      </a:r>
-                      <a:r>
-                        <a:rPr lang="nb-NO" sz="3300" dirty="0">
-                          <a:solidFill>
-                            <a:schemeClr val="accent1"/>
-                          </a:solidFill>
-                        </a:rPr>
-                        <a:t>&lt;input&gt;, &lt;</a:t>
-                      </a:r>
-                      <a:r>
-                        <a:rPr lang="nb-NO" sz="3300" dirty="0" err="1">
-                          <a:solidFill>
-                            <a:schemeClr val="accent1"/>
-                          </a:solidFill>
-                        </a:rPr>
-                        <a:t>select</a:t>
-                      </a:r>
-                      <a:r>
-                        <a:rPr lang="nb-NO" sz="3300" dirty="0">
-                          <a:solidFill>
-                            <a:schemeClr val="accent1"/>
-                          </a:solidFill>
-                        </a:rPr>
-                        <a:t>&gt; </a:t>
-                      </a:r>
-                      <a:r>
-                        <a:rPr lang="nb-NO" sz="3300" dirty="0"/>
-                        <a:t>eller </a:t>
-                      </a:r>
-                      <a:r>
-                        <a:rPr lang="nb-NO" sz="3300" dirty="0">
-                          <a:solidFill>
-                            <a:schemeClr val="accent1"/>
-                          </a:solidFill>
-                        </a:rPr>
-                        <a:t>&lt;</a:t>
-                      </a:r>
-                      <a:r>
-                        <a:rPr lang="nb-NO" sz="3300" dirty="0" err="1">
-                          <a:solidFill>
-                            <a:schemeClr val="accent1"/>
-                          </a:solidFill>
-                        </a:rPr>
-                        <a:t>textarea</a:t>
-                      </a:r>
-                      <a:r>
-                        <a:rPr lang="nb-NO" sz="3300" dirty="0">
-                          <a:solidFill>
-                            <a:schemeClr val="accent1"/>
-                          </a:solidFill>
-                        </a:rPr>
-                        <a:t>&gt;</a:t>
-                      </a:r>
-                      <a:endParaRPr lang="nb-NO" sz="3300" dirty="0"/>
-                    </a:p>
-                  </a:txBody>
-                  <a:tcPr marL="167640" marR="167640" marT="83820" marB="83820"/>
-                </a:tc>
-                <a:extLst>
-                  <a:ext uri="{0D108BD9-81ED-4DB2-BD59-A6C34878D82A}">
-                    <a16:rowId xmlns:a16="http://schemas.microsoft.com/office/drawing/2014/main" val="4219949301"/>
-                  </a:ext>
-                </a:extLst>
-              </a:tr>
-              <a:tr h="838200">
-                <a:tc>
-                  <a:txBody>
-                    <a:bodyPr/>
-                    <a:lstStyle/>
-                    <a:p>
-                      <a:r>
-                        <a:rPr lang="nb-NO" sz="3300" dirty="0" err="1"/>
-                        <a:t>click</a:t>
-                      </a:r>
-                      <a:endParaRPr lang="nb-NO" sz="3300" dirty="0"/>
-                    </a:p>
-                  </a:txBody>
-                  <a:tcPr marL="167640" marR="167640" marT="83820" marB="83820"/>
-                </a:tc>
-                <a:tc>
-                  <a:txBody>
-                    <a:bodyPr/>
-                    <a:lstStyle/>
-                    <a:p>
-                      <a:r>
-                        <a:rPr lang="nb-NO" sz="3300" dirty="0"/>
-                        <a:t>når et element klikkes på med musepekeren (</a:t>
-                      </a:r>
-                      <a:r>
-                        <a:rPr lang="nb-NO" sz="3300" dirty="0" err="1"/>
-                        <a:t>checkbox</a:t>
-                      </a:r>
-                      <a:r>
-                        <a:rPr lang="nb-NO" sz="3300" dirty="0"/>
-                        <a:t>/radio)</a:t>
-                      </a:r>
-                    </a:p>
-                  </a:txBody>
-                  <a:tcPr marL="167640" marR="167640" marT="83820" marB="83820"/>
-                </a:tc>
-                <a:extLst>
-                  <a:ext uri="{0D108BD9-81ED-4DB2-BD59-A6C34878D82A}">
-                    <a16:rowId xmlns:a16="http://schemas.microsoft.com/office/drawing/2014/main" val="1634964380"/>
-                  </a:ext>
-                </a:extLst>
-              </a:tr>
-            </a:tbl>
-          </a:graphicData>
-        </a:graphic>
-      </p:graphicFrame>
-    </p:spTree>
-    <p:extLst>
-      <p:ext uri="{BB962C8B-B14F-4D97-AF65-F5344CB8AC3E}">
-        <p14:creationId xmlns:p14="http://schemas.microsoft.com/office/powerpoint/2010/main" val="3440852332"/>
-      </p:ext>
-    </p:extLst>
-  </p:cSld>
-  <p:clrMapOvr>
-    <a:masterClrMapping/>
-  </p:clrMapOvr>
-</p:sld>
-</file>
-
-<file path=ppt/slides/slide8.xml><?xml version="1.0" encoding="utf-8"?>
+<file path=ppt/slides/slide9.xml><?xml version="1.0" encoding="utf-8"?>
 <p:sld xmlns:a="http://schemas.openxmlformats.org/drawingml/2006/main" xmlns:r="http://schemas.openxmlformats.org/officeDocument/2006/relationships" xmlns:p="http://schemas.openxmlformats.org/presentationml/2006/main">
   <p:cSld>
     <p:spTree>
@@ -8929,36 +9870,43 @@
           <a:p>
             <a:r>
               <a:rPr lang="nb-NO" dirty="0"/>
-              <a:t>Eksempel Filmregister</a:t>
+              <a:t>Eksempel 4 Fargevelger med rotasjon</a:t>
             </a:r>
           </a:p>
         </p:txBody>
       </p:sp>
-      <p:sp>
-        <p:nvSpPr>
-          <p:cNvPr id="3" name="Plassholder for innhold 2">
+      <p:pic>
+        <p:nvPicPr>
+          <p:cNvPr id="4" name="Plassholder for innhold 3">
             <a:extLst>
               <a:ext uri="{FF2B5EF4-FFF2-40B4-BE49-F238E27FC236}">
-                <a16:creationId xmlns:a16="http://schemas.microsoft.com/office/drawing/2014/main" id="{6A20AEA2-EB19-4B75-AD67-29F38AB19842}"/>
+                <a16:creationId xmlns:a16="http://schemas.microsoft.com/office/drawing/2014/main" id="{991E6910-4559-40FA-9014-3F4B8E0E148E}"/>
               </a:ext>
             </a:extLst>
           </p:cNvPr>
-          <p:cNvSpPr>
-            <a:spLocks noGrp="1"/>
-          </p:cNvSpPr>
+          <p:cNvPicPr>
+            <a:picLocks noGrp="1" noChangeAspect="1"/>
+          </p:cNvPicPr>
           <p:nvPr>
             <p:ph idx="1"/>
           </p:nvPr>
-        </p:nvSpPr>
-        <p:spPr/>
-        <p:txBody>
-          <a:bodyPr/>
-          <a:lstStyle/>
-          <a:p>
-            <a:endParaRPr lang="nb-NO"/>
-          </a:p>
-        </p:txBody>
-      </p:sp>
+        </p:nvPicPr>
+        <p:blipFill>
+          <a:blip r:embed="rId2"/>
+          <a:stretch>
+            <a:fillRect/>
+          </a:stretch>
+        </p:blipFill>
+        <p:spPr>
+          <a:xfrm>
+            <a:off x="2371241" y="1690688"/>
+            <a:ext cx="6405809" cy="4659593"/>
+          </a:xfrm>
+          <a:prstGeom prst="rect">
+            <a:avLst/>
+          </a:prstGeom>
+        </p:spPr>
+      </p:pic>
     </p:spTree>
     <p:extLst>
       <p:ext uri="{BB962C8B-B14F-4D97-AF65-F5344CB8AC3E}">
@@ -9481,15 +10429,8 @@
 <file path=customXml/itemProps3.xml><?xml version="1.0" encoding="utf-8"?>
 <ds:datastoreItem xmlns:ds="http://schemas.openxmlformats.org/officeDocument/2006/customXml" ds:itemID="{568CB609-A961-4C7C-B32E-FA42EE17CFC2}">
   <ds:schemaRefs>
-    <ds:schemaRef ds:uri="7ee59893-5bfb-4ba5-ba61-3f9ac5a63a3a"/>
-    <ds:schemaRef ds:uri="http://purl.org/dc/terms/"/>
-    <ds:schemaRef ds:uri="http://schemas.openxmlformats.org/package/2006/metadata/core-properties"/>
-    <ds:schemaRef ds:uri="http://schemas.microsoft.com/office/2006/documentManagement/types"/>
+    <ds:schemaRef ds:uri="http://schemas.microsoft.com/office/2006/metadata/properties"/>
     <ds:schemaRef ds:uri="http://schemas.microsoft.com/office/infopath/2007/PartnerControls"/>
-    <ds:schemaRef ds:uri="http://purl.org/dc/elements/1.1/"/>
-    <ds:schemaRef ds:uri="http://schemas.microsoft.com/office/2006/metadata/properties"/>
-    <ds:schemaRef ds:uri="http://www.w3.org/XML/1998/namespace"/>
-    <ds:schemaRef ds:uri="http://purl.org/dc/dcmitype/"/>
   </ds:schemaRefs>
 </ds:datastoreItem>
 </file>